--- a/Présentation.pptx
+++ b/Présentation.pptx
@@ -5,7 +5,7 @@
     <p:sldMasterId id="2147483648" r:id="rId1"/>
   </p:sldMasterIdLst>
   <p:notesMasterIdLst>
-    <p:notesMasterId r:id="rId19"/>
+    <p:notesMasterId r:id="rId20"/>
   </p:notesMasterIdLst>
   <p:sldIdLst>
     <p:sldId id="371" r:id="rId2"/>
@@ -16,15 +16,16 @@
     <p:sldId id="388" r:id="rId7"/>
     <p:sldId id="373" r:id="rId8"/>
     <p:sldId id="374" r:id="rId9"/>
-    <p:sldId id="375" r:id="rId10"/>
-    <p:sldId id="376" r:id="rId11"/>
-    <p:sldId id="378" r:id="rId12"/>
-    <p:sldId id="377" r:id="rId13"/>
-    <p:sldId id="379" r:id="rId14"/>
-    <p:sldId id="380" r:id="rId15"/>
-    <p:sldId id="385" r:id="rId16"/>
-    <p:sldId id="333" r:id="rId17"/>
-    <p:sldId id="383" r:id="rId18"/>
+    <p:sldId id="389" r:id="rId10"/>
+    <p:sldId id="375" r:id="rId11"/>
+    <p:sldId id="376" r:id="rId12"/>
+    <p:sldId id="378" r:id="rId13"/>
+    <p:sldId id="377" r:id="rId14"/>
+    <p:sldId id="379" r:id="rId15"/>
+    <p:sldId id="380" r:id="rId16"/>
+    <p:sldId id="385" r:id="rId17"/>
+    <p:sldId id="333" r:id="rId18"/>
+    <p:sldId id="383" r:id="rId19"/>
   </p:sldIdLst>
   <p:sldSz cx="12192000" cy="6858000"/>
   <p:notesSz cx="6858000" cy="9144000"/>
@@ -710,7 +711,7 @@
     </p:spTree>
     <p:extLst>
       <p:ext uri="{BB962C8B-B14F-4D97-AF65-F5344CB8AC3E}">
-        <p14:creationId xmlns:p14="http://schemas.microsoft.com/office/powerpoint/2010/main" val="1417484862"/>
+        <p14:creationId xmlns:p14="http://schemas.microsoft.com/office/powerpoint/2010/main" val="484585062"/>
       </p:ext>
     </p:extLst>
   </p:cSld>
@@ -764,10 +765,7 @@
           <a:bodyPr/>
           <a:lstStyle/>
           <a:p>
-            <a:r>
-              <a:rPr lang="fr-FR" dirty="0"/>
-              <a:t>Objectif : Quelle reste toujours visible </a:t>
-            </a:r>
+            <a:endParaRPr lang="fr-FR" dirty="0"/>
           </a:p>
         </p:txBody>
       </p:sp>
@@ -789,6 +787,93 @@
             <a:fld id="{98257F78-2AE0-4212-9C11-3F2E7B40417C}" type="slidenum">
               <a:rPr lang="fr-FR" smtClean="0"/>
               <a:t>14</a:t>
+            </a:fld>
+            <a:endParaRPr lang="fr-FR"/>
+          </a:p>
+        </p:txBody>
+      </p:sp>
+    </p:spTree>
+    <p:extLst>
+      <p:ext uri="{BB962C8B-B14F-4D97-AF65-F5344CB8AC3E}">
+        <p14:creationId xmlns:p14="http://schemas.microsoft.com/office/powerpoint/2010/main" val="1417484862"/>
+      </p:ext>
+    </p:extLst>
+  </p:cSld>
+  <p:clrMapOvr>
+    <a:masterClrMapping/>
+  </p:clrMapOvr>
+</p:notes>
+</file>
+
+<file path=ppt/notesSlides/notesSlide12.xml><?xml version="1.0" encoding="utf-8"?>
+<p:notes xmlns:a="http://schemas.openxmlformats.org/drawingml/2006/main" xmlns:r="http://schemas.openxmlformats.org/officeDocument/2006/relationships" xmlns:p="http://schemas.openxmlformats.org/presentationml/2006/main">
+  <p:cSld>
+    <p:spTree>
+      <p:nvGrpSpPr>
+        <p:cNvPr id="1" name=""/>
+        <p:cNvGrpSpPr/>
+        <p:nvPr/>
+      </p:nvGrpSpPr>
+      <p:grpSpPr>
+        <a:xfrm>
+          <a:off x="0" y="0"/>
+          <a:ext cx="0" cy="0"/>
+          <a:chOff x="0" y="0"/>
+          <a:chExt cx="0" cy="0"/>
+        </a:xfrm>
+      </p:grpSpPr>
+      <p:sp>
+        <p:nvSpPr>
+          <p:cNvPr id="2" name="Espace réservé de l'image des diapositives 1"/>
+          <p:cNvSpPr>
+            <a:spLocks noGrp="1" noRot="1" noChangeAspect="1"/>
+          </p:cNvSpPr>
+          <p:nvPr>
+            <p:ph type="sldImg"/>
+          </p:nvPr>
+        </p:nvSpPr>
+        <p:spPr/>
+      </p:sp>
+      <p:sp>
+        <p:nvSpPr>
+          <p:cNvPr id="3" name="Espace réservé des notes 2"/>
+          <p:cNvSpPr>
+            <a:spLocks noGrp="1"/>
+          </p:cNvSpPr>
+          <p:nvPr>
+            <p:ph type="body" idx="1"/>
+          </p:nvPr>
+        </p:nvSpPr>
+        <p:spPr/>
+        <p:txBody>
+          <a:bodyPr/>
+          <a:lstStyle/>
+          <a:p>
+            <a:r>
+              <a:rPr lang="fr-FR" dirty="0"/>
+              <a:t>Objectif : Quelle reste toujours visible </a:t>
+            </a:r>
+          </a:p>
+        </p:txBody>
+      </p:sp>
+      <p:sp>
+        <p:nvSpPr>
+          <p:cNvPr id="4" name="Espace réservé du numéro de diapositive 3"/>
+          <p:cNvSpPr>
+            <a:spLocks noGrp="1"/>
+          </p:cNvSpPr>
+          <p:nvPr>
+            <p:ph type="sldNum" sz="quarter" idx="5"/>
+          </p:nvPr>
+        </p:nvSpPr>
+        <p:spPr/>
+        <p:txBody>
+          <a:bodyPr/>
+          <a:lstStyle/>
+          <a:p>
+            <a:fld id="{98257F78-2AE0-4212-9C11-3F2E7B40417C}" type="slidenum">
+              <a:rPr lang="fr-FR" smtClean="0"/>
+              <a:t>15</a:t>
             </a:fld>
             <a:endParaRPr lang="fr-FR"/>
           </a:p>
@@ -1195,6 +1280,188 @@
           <a:bodyPr/>
           <a:lstStyle/>
           <a:p>
+            <a:pPr marL="0" marR="0" lvl="0" indent="0" algn="l" defTabSz="914400" rtl="0" eaLnBrk="1" fontAlgn="auto" latinLnBrk="0" hangingPunct="1">
+              <a:lnSpc>
+                <a:spcPct val="100000"/>
+              </a:lnSpc>
+              <a:spcBef>
+                <a:spcPts val="0"/>
+              </a:spcBef>
+              <a:spcAft>
+                <a:spcPts val="0"/>
+              </a:spcAft>
+              <a:buClrTx/>
+              <a:buSzTx/>
+              <a:buFontTx/>
+              <a:buNone/>
+              <a:tabLst/>
+              <a:defRPr/>
+            </a:pPr>
+            <a:r>
+              <a:rPr lang="pt-BR" b="0" dirty="0">
+                <a:solidFill>
+                  <a:srgbClr val="FF0000"/>
+                </a:solidFill>
+                <a:effectLst/>
+                <a:latin typeface="Consolas" panose="020B0609020204030204" pitchFamily="49" charset="0"/>
+              </a:rPr>
+              <a:t>margin</a:t>
+            </a:r>
+            <a:r>
+              <a:rPr lang="pt-BR" b="0" dirty="0">
+                <a:solidFill>
+                  <a:srgbClr val="000000"/>
+                </a:solidFill>
+                <a:effectLst/>
+                <a:latin typeface="Consolas" panose="020B0609020204030204" pitchFamily="49" charset="0"/>
+              </a:rPr>
+              <a:t>: </a:t>
+            </a:r>
+            <a:r>
+              <a:rPr lang="pt-BR" b="0" dirty="0">
+                <a:solidFill>
+                  <a:srgbClr val="098658"/>
+                </a:solidFill>
+                <a:effectLst/>
+                <a:latin typeface="Consolas" panose="020B0609020204030204" pitchFamily="49" charset="0"/>
+              </a:rPr>
+              <a:t>0</a:t>
+            </a:r>
+            <a:r>
+              <a:rPr lang="pt-BR" b="0" dirty="0">
+                <a:solidFill>
+                  <a:srgbClr val="000000"/>
+                </a:solidFill>
+                <a:effectLst/>
+                <a:latin typeface="Consolas" panose="020B0609020204030204" pitchFamily="49" charset="0"/>
+              </a:rPr>
+              <a:t> </a:t>
+            </a:r>
+            <a:r>
+              <a:rPr lang="pt-BR" b="0" dirty="0">
+                <a:solidFill>
+                  <a:srgbClr val="098658"/>
+                </a:solidFill>
+                <a:effectLst/>
+                <a:latin typeface="Consolas" panose="020B0609020204030204" pitchFamily="49" charset="0"/>
+              </a:rPr>
+              <a:t>20px</a:t>
+            </a:r>
+            <a:r>
+              <a:rPr lang="pt-BR" b="0" dirty="0">
+                <a:solidFill>
+                  <a:srgbClr val="000000"/>
+                </a:solidFill>
+                <a:effectLst/>
+                <a:latin typeface="Consolas" panose="020B0609020204030204" pitchFamily="49" charset="0"/>
+              </a:rPr>
+              <a:t> </a:t>
+            </a:r>
+            <a:r>
+              <a:rPr lang="pt-BR" b="0" dirty="0">
+                <a:solidFill>
+                  <a:srgbClr val="098658"/>
+                </a:solidFill>
+                <a:effectLst/>
+                <a:latin typeface="Consolas" panose="020B0609020204030204" pitchFamily="49" charset="0"/>
+              </a:rPr>
+              <a:t>0</a:t>
+            </a:r>
+            <a:r>
+              <a:rPr lang="pt-BR" b="0" dirty="0">
+                <a:solidFill>
+                  <a:srgbClr val="000000"/>
+                </a:solidFill>
+                <a:effectLst/>
+                <a:latin typeface="Consolas" panose="020B0609020204030204" pitchFamily="49" charset="0"/>
+              </a:rPr>
+              <a:t> </a:t>
+            </a:r>
+            <a:r>
+              <a:rPr lang="pt-BR" b="0" dirty="0">
+                <a:solidFill>
+                  <a:srgbClr val="098658"/>
+                </a:solidFill>
+                <a:effectLst/>
+                <a:latin typeface="Consolas" panose="020B0609020204030204" pitchFamily="49" charset="0"/>
+              </a:rPr>
+              <a:t>1.5em</a:t>
+            </a:r>
+            <a:r>
+              <a:rPr lang="pt-BR" b="0" dirty="0">
+                <a:solidFill>
+                  <a:srgbClr val="000000"/>
+                </a:solidFill>
+                <a:effectLst/>
+                <a:latin typeface="Consolas" panose="020B0609020204030204" pitchFamily="49" charset="0"/>
+              </a:rPr>
+              <a:t>;  </a:t>
+            </a:r>
+            <a:r>
+              <a:rPr lang="fr-FR" b="0" dirty="0">
+                <a:solidFill>
+                  <a:srgbClr val="008000"/>
+                </a:solidFill>
+                <a:effectLst/>
+                <a:latin typeface="Consolas" panose="020B0609020204030204" pitchFamily="49" charset="0"/>
+              </a:rPr>
+              <a:t>/* Permet de décoller l'image est le </a:t>
+            </a:r>
+            <a:r>
+              <a:rPr lang="fr-FR" b="0" dirty="0" err="1">
+                <a:solidFill>
+                  <a:srgbClr val="008000"/>
+                </a:solidFill>
+                <a:effectLst/>
+                <a:latin typeface="Consolas" panose="020B0609020204030204" pitchFamily="49" charset="0"/>
+              </a:rPr>
+              <a:t>text</a:t>
+            </a:r>
+            <a:r>
+              <a:rPr lang="fr-FR" b="0" dirty="0">
+                <a:solidFill>
+                  <a:srgbClr val="008000"/>
+                </a:solidFill>
+                <a:effectLst/>
+                <a:latin typeface="Consolas" panose="020B0609020204030204" pitchFamily="49" charset="0"/>
+              </a:rPr>
+              <a:t>*/</a:t>
+            </a:r>
+            <a:endParaRPr lang="fr-FR" b="0" dirty="0">
+              <a:solidFill>
+                <a:srgbClr val="000000"/>
+              </a:solidFill>
+              <a:effectLst/>
+              <a:latin typeface="Consolas" panose="020B0609020204030204" pitchFamily="49" charset="0"/>
+            </a:endParaRPr>
+          </a:p>
+          <a:p>
+            <a:pPr marL="0" marR="0" lvl="0" indent="0" algn="l" defTabSz="914400" rtl="0" eaLnBrk="1" fontAlgn="auto" latinLnBrk="0" hangingPunct="1">
+              <a:lnSpc>
+                <a:spcPct val="100000"/>
+              </a:lnSpc>
+              <a:spcBef>
+                <a:spcPts val="0"/>
+              </a:spcBef>
+              <a:spcAft>
+                <a:spcPts val="0"/>
+              </a:spcAft>
+              <a:buClrTx/>
+              <a:buSzTx/>
+              <a:buFontTx/>
+              <a:buNone/>
+              <a:tabLst/>
+              <a:defRPr/>
+            </a:pPr>
+            <a:endParaRPr lang="pt-BR" b="0" dirty="0">
+              <a:solidFill>
+                <a:srgbClr val="000000"/>
+              </a:solidFill>
+              <a:effectLst/>
+              <a:latin typeface="Consolas" panose="020B0609020204030204" pitchFamily="49" charset="0"/>
+            </a:endParaRPr>
+          </a:p>
+          <a:p>
             <a:endParaRPr lang="fr-FR" dirty="0"/>
           </a:p>
         </p:txBody>
@@ -1225,7 +1492,7 @@
     </p:spTree>
     <p:extLst>
       <p:ext uri="{BB962C8B-B14F-4D97-AF65-F5344CB8AC3E}">
-        <p14:creationId xmlns:p14="http://schemas.microsoft.com/office/powerpoint/2010/main" val="2436831265"/>
+        <p14:creationId xmlns:p14="http://schemas.microsoft.com/office/powerpoint/2010/main" val="2822131736"/>
       </p:ext>
     </p:extLst>
   </p:cSld>
@@ -1279,17 +1546,7 @@
           <a:bodyPr/>
           <a:lstStyle/>
           <a:p>
-            <a:r>
-              <a:rPr lang="fr-FR" dirty="0" err="1"/>
-              <a:t>Keyframe</a:t>
-            </a:r>
             <a:endParaRPr lang="fr-FR" dirty="0"/>
-          </a:p>
-          <a:p>
-            <a:r>
-              <a:rPr lang="fr-FR" dirty="0"/>
-              <a:t>JS pour clique du bouton</a:t>
-            </a:r>
           </a:p>
         </p:txBody>
       </p:sp>
@@ -1319,7 +1576,7 @@
     </p:spTree>
     <p:extLst>
       <p:ext uri="{BB962C8B-B14F-4D97-AF65-F5344CB8AC3E}">
-        <p14:creationId xmlns:p14="http://schemas.microsoft.com/office/powerpoint/2010/main" val="2896948712"/>
+        <p14:creationId xmlns:p14="http://schemas.microsoft.com/office/powerpoint/2010/main" val="2436831265"/>
       </p:ext>
     </p:extLst>
   </p:cSld>
@@ -1374,8 +1631,15 @@
           <a:lstStyle/>
           <a:p>
             <a:r>
+              <a:rPr lang="fr-FR" dirty="0" err="1"/>
+              <a:t>Keyframe</a:t>
+            </a:r>
+            <a:endParaRPr lang="fr-FR" dirty="0"/>
+          </a:p>
+          <a:p>
+            <a:r>
               <a:rPr lang="fr-FR" dirty="0"/>
-              <a:t>DIVISIONS </a:t>
+              <a:t>JS pour clique du bouton</a:t>
             </a:r>
           </a:p>
         </p:txBody>
@@ -1406,7 +1670,7 @@
     </p:spTree>
     <p:extLst>
       <p:ext uri="{BB962C8B-B14F-4D97-AF65-F5344CB8AC3E}">
-        <p14:creationId xmlns:p14="http://schemas.microsoft.com/office/powerpoint/2010/main" val="1234898348"/>
+        <p14:creationId xmlns:p14="http://schemas.microsoft.com/office/powerpoint/2010/main" val="2896948712"/>
       </p:ext>
     </p:extLst>
   </p:cSld>
@@ -1460,7 +1724,10 @@
           <a:bodyPr/>
           <a:lstStyle/>
           <a:p>
-            <a:endParaRPr lang="fr-FR" dirty="0"/>
+            <a:r>
+              <a:rPr lang="fr-FR" dirty="0"/>
+              <a:t>DIVISIONS </a:t>
+            </a:r>
           </a:p>
         </p:txBody>
       </p:sp>
@@ -1490,7 +1757,7 @@
     </p:spTree>
     <p:extLst>
       <p:ext uri="{BB962C8B-B14F-4D97-AF65-F5344CB8AC3E}">
-        <p14:creationId xmlns:p14="http://schemas.microsoft.com/office/powerpoint/2010/main" val="484585062"/>
+        <p14:creationId xmlns:p14="http://schemas.microsoft.com/office/powerpoint/2010/main" val="1234898348"/>
       </p:ext>
     </p:extLst>
   </p:cSld>
@@ -6247,6 +6514,206 @@
         <p:spPr>
           <a:xfrm>
             <a:off x="4465807" y="551095"/>
+            <a:ext cx="3260381" cy="495486"/>
+          </a:xfrm>
+        </p:spPr>
+        <p:txBody>
+          <a:bodyPr>
+            <a:normAutofit/>
+          </a:bodyPr>
+          <a:lstStyle/>
+          <a:p>
+            <a:pPr algn="l">
+              <a:lnSpc>
+                <a:spcPct val="80000"/>
+              </a:lnSpc>
+            </a:pPr>
+            <a:r>
+              <a:rPr lang="fr-FR" sz="3200" b="1" spc="200" dirty="0">
+                <a:latin typeface="Titillium" charset="0"/>
+                <a:ea typeface="Titillium" charset="0"/>
+                <a:cs typeface="Titillium" charset="0"/>
+              </a:rPr>
+              <a:t>Ma Formation</a:t>
+            </a:r>
+          </a:p>
+        </p:txBody>
+      </p:sp>
+      <p:grpSp>
+        <p:nvGrpSpPr>
+          <p:cNvPr id="5" name="Groupe 4">
+            <a:extLst>
+              <a:ext uri="{FF2B5EF4-FFF2-40B4-BE49-F238E27FC236}">
+                <a16:creationId xmlns:a16="http://schemas.microsoft.com/office/drawing/2014/main" id="{D61C89B1-CFCB-4770-B63C-D876E8833BB4}"/>
+              </a:ext>
+            </a:extLst>
+          </p:cNvPr>
+          <p:cNvGrpSpPr/>
+          <p:nvPr/>
+        </p:nvGrpSpPr>
+        <p:grpSpPr>
+          <a:xfrm>
+            <a:off x="3687479" y="583683"/>
+            <a:ext cx="778329" cy="565019"/>
+            <a:chOff x="3687479" y="819358"/>
+            <a:chExt cx="778329" cy="565019"/>
+          </a:xfrm>
+        </p:grpSpPr>
+        <p:sp>
+          <p:nvSpPr>
+            <p:cNvPr id="26" name="TextBox 25"/>
+            <p:cNvSpPr txBox="1"/>
+            <p:nvPr/>
+          </p:nvSpPr>
+          <p:spPr>
+            <a:xfrm>
+              <a:off x="3687479" y="819358"/>
+              <a:ext cx="778329" cy="454292"/>
+            </a:xfrm>
+            <a:prstGeom prst="rect">
+              <a:avLst/>
+            </a:prstGeom>
+            <a:noFill/>
+          </p:spPr>
+          <p:txBody>
+            <a:bodyPr wrap="square" lIns="0" tIns="0" rIns="0" bIns="0" rtlCol="0">
+              <a:spAutoFit/>
+            </a:bodyPr>
+            <a:lstStyle/>
+            <a:p>
+              <a:pPr>
+                <a:lnSpc>
+                  <a:spcPct val="80000"/>
+                </a:lnSpc>
+              </a:pPr>
+              <a:r>
+                <a:rPr lang="fr-FR" sz="3600" dirty="0">
+                  <a:latin typeface="Titillium Light" charset="0"/>
+                  <a:ea typeface="Titillium Light" charset="0"/>
+                  <a:cs typeface="Titillium Light" charset="0"/>
+                </a:rPr>
+                <a:t>03</a:t>
+              </a:r>
+            </a:p>
+          </p:txBody>
+        </p:sp>
+        <p:cxnSp>
+          <p:nvCxnSpPr>
+            <p:cNvPr id="27" name="Straight Connector 26"/>
+            <p:cNvCxnSpPr/>
+            <p:nvPr/>
+          </p:nvCxnSpPr>
+          <p:spPr>
+            <a:xfrm>
+              <a:off x="4367837" y="841130"/>
+              <a:ext cx="0" cy="543247"/>
+            </a:xfrm>
+            <a:prstGeom prst="line">
+              <a:avLst/>
+            </a:prstGeom>
+            <a:ln w="25400">
+              <a:gradFill>
+                <a:gsLst>
+                  <a:gs pos="0">
+                    <a:schemeClr val="accent1"/>
+                  </a:gs>
+                  <a:gs pos="100000">
+                    <a:schemeClr val="accent2"/>
+                  </a:gs>
+                </a:gsLst>
+                <a:lin ang="2700000" scaled="0"/>
+              </a:gradFill>
+            </a:ln>
+          </p:spPr>
+          <p:style>
+            <a:lnRef idx="1">
+              <a:schemeClr val="accent1"/>
+            </a:lnRef>
+            <a:fillRef idx="0">
+              <a:schemeClr val="accent1"/>
+            </a:fillRef>
+            <a:effectRef idx="0">
+              <a:schemeClr val="accent1"/>
+            </a:effectRef>
+            <a:fontRef idx="minor">
+              <a:schemeClr val="tx1"/>
+            </a:fontRef>
+          </p:style>
+        </p:cxnSp>
+      </p:grpSp>
+      <p:pic>
+        <p:nvPicPr>
+          <p:cNvPr id="9" name="Image 8">
+            <a:extLst>
+              <a:ext uri="{FF2B5EF4-FFF2-40B4-BE49-F238E27FC236}">
+                <a16:creationId xmlns:a16="http://schemas.microsoft.com/office/drawing/2014/main" id="{FC0598BD-2406-40E7-B3A3-332B2E64B529}"/>
+              </a:ext>
+            </a:extLst>
+          </p:cNvPr>
+          <p:cNvPicPr>
+            <a:picLocks noChangeAspect="1"/>
+          </p:cNvPicPr>
+          <p:nvPr/>
+        </p:nvPicPr>
+        <p:blipFill>
+          <a:blip r:embed="rId3"/>
+          <a:stretch>
+            <a:fillRect/>
+          </a:stretch>
+        </p:blipFill>
+        <p:spPr>
+          <a:xfrm>
+            <a:off x="2565786" y="1470581"/>
+            <a:ext cx="7060421" cy="4913956"/>
+          </a:xfrm>
+          <a:prstGeom prst="rect">
+            <a:avLst/>
+          </a:prstGeom>
+        </p:spPr>
+      </p:pic>
+    </p:spTree>
+    <p:extLst>
+      <p:ext uri="{BB962C8B-B14F-4D97-AF65-F5344CB8AC3E}">
+        <p14:creationId xmlns:p14="http://schemas.microsoft.com/office/powerpoint/2010/main" val="1992008865"/>
+      </p:ext>
+    </p:extLst>
+  </p:cSld>
+  <p:clrMapOvr>
+    <a:masterClrMapping/>
+  </p:clrMapOvr>
+</p:sld>
+</file>
+
+<file path=ppt/slides/slide11.xml><?xml version="1.0" encoding="utf-8"?>
+<p:sld xmlns:a="http://schemas.openxmlformats.org/drawingml/2006/main" xmlns:r="http://schemas.openxmlformats.org/officeDocument/2006/relationships" xmlns:p="http://schemas.openxmlformats.org/presentationml/2006/main">
+  <p:cSld>
+    <p:spTree>
+      <p:nvGrpSpPr>
+        <p:cNvPr id="1" name=""/>
+        <p:cNvGrpSpPr/>
+        <p:nvPr/>
+      </p:nvGrpSpPr>
+      <p:grpSpPr>
+        <a:xfrm>
+          <a:off x="0" y="0"/>
+          <a:ext cx="0" cy="0"/>
+          <a:chOff x="0" y="0"/>
+          <a:chExt cx="0" cy="0"/>
+        </a:xfrm>
+      </p:grpSpPr>
+      <p:sp>
+        <p:nvSpPr>
+          <p:cNvPr id="2" name="Title 1"/>
+          <p:cNvSpPr>
+            <a:spLocks noGrp="1"/>
+          </p:cNvSpPr>
+          <p:nvPr>
+            <p:ph type="title"/>
+          </p:nvPr>
+        </p:nvSpPr>
+        <p:spPr>
+          <a:xfrm>
+            <a:off x="4465807" y="551095"/>
             <a:ext cx="3990035" cy="495486"/>
           </a:xfrm>
         </p:spPr>
@@ -6507,7 +6974,7 @@
 </p:sld>
 </file>
 
-<file path=ppt/slides/slide11.xml><?xml version="1.0" encoding="utf-8"?>
+<file path=ppt/slides/slide12.xml><?xml version="1.0" encoding="utf-8"?>
 <p:sld xmlns:a="http://schemas.openxmlformats.org/drawingml/2006/main" xmlns:r="http://schemas.openxmlformats.org/officeDocument/2006/relationships" xmlns:p="http://schemas.openxmlformats.org/presentationml/2006/main">
   <p:cSld>
     <p:spTree>
@@ -6742,7 +7209,7 @@
 </p:sld>
 </file>
 
-<file path=ppt/slides/slide12.xml><?xml version="1.0" encoding="utf-8"?>
+<file path=ppt/slides/slide13.xml><?xml version="1.0" encoding="utf-8"?>
 <p:sld xmlns:a="http://schemas.openxmlformats.org/drawingml/2006/main" xmlns:r="http://schemas.openxmlformats.org/officeDocument/2006/relationships" xmlns:p="http://schemas.openxmlformats.org/presentationml/2006/main">
   <p:cSld>
     <p:spTree>
@@ -6942,7 +7409,7 @@
 </p:sld>
 </file>
 
-<file path=ppt/slides/slide13.xml><?xml version="1.0" encoding="utf-8"?>
+<file path=ppt/slides/slide14.xml><?xml version="1.0" encoding="utf-8"?>
 <p:sld xmlns:a="http://schemas.openxmlformats.org/drawingml/2006/main" xmlns:r="http://schemas.openxmlformats.org/officeDocument/2006/relationships" xmlns:p="http://schemas.openxmlformats.org/presentationml/2006/main">
   <p:cSld>
     <p:spTree>
@@ -7143,7 +7610,7 @@
 </p:sld>
 </file>
 
-<file path=ppt/slides/slide14.xml><?xml version="1.0" encoding="utf-8"?>
+<file path=ppt/slides/slide15.xml><?xml version="1.0" encoding="utf-8"?>
 <p:sld xmlns:a="http://schemas.openxmlformats.org/drawingml/2006/main" xmlns:r="http://schemas.openxmlformats.org/officeDocument/2006/relationships" xmlns:p="http://schemas.openxmlformats.org/presentationml/2006/main">
   <p:cSld>
     <p:spTree>
@@ -7401,7 +7868,7 @@
 </p:sld>
 </file>
 
-<file path=ppt/slides/slide15.xml><?xml version="1.0" encoding="utf-8"?>
+<file path=ppt/slides/slide16.xml><?xml version="1.0" encoding="utf-8"?>
 <p:sld xmlns:a="http://schemas.openxmlformats.org/drawingml/2006/main" xmlns:r="http://schemas.openxmlformats.org/officeDocument/2006/relationships" xmlns:p="http://schemas.openxmlformats.org/presentationml/2006/main">
   <p:cSld>
     <p:spTree>
@@ -8178,7 +8645,7 @@
 </p:sld>
 </file>
 
-<file path=ppt/slides/slide16.xml><?xml version="1.0" encoding="utf-8"?>
+<file path=ppt/slides/slide17.xml><?xml version="1.0" encoding="utf-8"?>
 <p:sld xmlns:a="http://schemas.openxmlformats.org/drawingml/2006/main" xmlns:r="http://schemas.openxmlformats.org/officeDocument/2006/relationships" xmlns:p="http://schemas.openxmlformats.org/presentationml/2006/main">
   <p:cSld>
     <p:spTree>
@@ -8532,7 +8999,7 @@
 </p:sld>
 </file>
 
-<file path=ppt/slides/slide17.xml><?xml version="1.0" encoding="utf-8"?>
+<file path=ppt/slides/slide18.xml><?xml version="1.0" encoding="utf-8"?>
 <p:sld xmlns:a="http://schemas.openxmlformats.org/drawingml/2006/main" xmlns:r="http://schemas.openxmlformats.org/officeDocument/2006/relationships" xmlns:p="http://schemas.openxmlformats.org/presentationml/2006/main">
   <p:cSld>
     <p:spTree>
@@ -9331,7 +9798,12 @@
             <p:ph type="title"/>
           </p:nvPr>
         </p:nvSpPr>
-        <p:spPr/>
+        <p:spPr>
+          <a:xfrm>
+            <a:off x="1790700" y="3181257"/>
+            <a:ext cx="8610600" cy="495486"/>
+          </a:xfrm>
+        </p:spPr>
         <p:txBody>
           <a:bodyPr>
             <a:normAutofit fontScale="90000"/>
@@ -9340,194 +9812,8 @@
           <a:p>
             <a:r>
               <a:rPr lang="fr-FR" dirty="0"/>
-              <a:t>Un portfolio</a:t>
+              <a:t>Un site sur Jean Yves Langlois</a:t>
             </a:r>
-          </a:p>
-        </p:txBody>
-      </p:sp>
-      <p:sp>
-        <p:nvSpPr>
-          <p:cNvPr id="4" name="TextBox 3"/>
-          <p:cNvSpPr txBox="1"/>
-          <p:nvPr/>
-        </p:nvSpPr>
-        <p:spPr>
-          <a:xfrm>
-            <a:off x="1790700" y="2473802"/>
-            <a:ext cx="8610600" cy="3053015"/>
-          </a:xfrm>
-          <a:prstGeom prst="rect">
-            <a:avLst/>
-          </a:prstGeom>
-          <a:noFill/>
-        </p:spPr>
-        <p:txBody>
-          <a:bodyPr wrap="square" lIns="0" tIns="0" rIns="0" bIns="0" rtlCol="0">
-            <a:spAutoFit/>
-          </a:bodyPr>
-          <a:lstStyle/>
-          <a:p>
-            <a:pPr algn="just">
-              <a:lnSpc>
-                <a:spcPct val="150000"/>
-              </a:lnSpc>
-            </a:pPr>
-            <a:r>
-              <a:rPr lang="fr-FR" sz="1400" dirty="0">
-                <a:solidFill>
-                  <a:schemeClr val="tx1">
-                    <a:alpha val="60000"/>
-                  </a:schemeClr>
-                </a:solidFill>
-                <a:latin typeface="Titillium" charset="0"/>
-              </a:rPr>
-              <a:t>« Un </a:t>
-            </a:r>
-            <a:r>
-              <a:rPr lang="fr-FR" sz="1400" b="1" dirty="0">
-                <a:solidFill>
-                  <a:schemeClr val="tx1">
-                    <a:alpha val="60000"/>
-                  </a:schemeClr>
-                </a:solidFill>
-                <a:latin typeface="Titillium" charset="0"/>
-              </a:rPr>
-              <a:t>portfolio</a:t>
-            </a:r>
-            <a:r>
-              <a:rPr lang="fr-FR" sz="1400" dirty="0">
-                <a:solidFill>
-                  <a:schemeClr val="tx1">
-                    <a:alpha val="60000"/>
-                  </a:schemeClr>
-                </a:solidFill>
-                <a:latin typeface="Titillium" charset="0"/>
-              </a:rPr>
-              <a:t> est un dossier personnel dans lequel les acquis de formation et les acquis de l'expérience d'une personne sont définis et démontrés en vue d'une reconnaissance par un établissement d'enseignement ou un employeur. En France, on voit parfois le terme de portefeuille de compétences. »​</a:t>
-            </a:r>
-          </a:p>
-          <a:p>
-            <a:pPr algn="just">
-              <a:lnSpc>
-                <a:spcPct val="150000"/>
-              </a:lnSpc>
-            </a:pPr>
-            <a:endParaRPr lang="fr-FR" sz="1200" dirty="0">
-              <a:solidFill>
-                <a:schemeClr val="tx1">
-                  <a:alpha val="60000"/>
-                </a:schemeClr>
-              </a:solidFill>
-              <a:latin typeface="Titillium" charset="0"/>
-            </a:endParaRPr>
-          </a:p>
-          <a:p>
-            <a:pPr algn="just">
-              <a:lnSpc>
-                <a:spcPct val="150000"/>
-              </a:lnSpc>
-            </a:pPr>
-            <a:r>
-              <a:rPr lang="fr-FR" sz="1050" i="1" dirty="0">
-                <a:solidFill>
-                  <a:schemeClr val="tx1">
-                    <a:alpha val="60000"/>
-                  </a:schemeClr>
-                </a:solidFill>
-                <a:latin typeface="Titillium" charset="0"/>
-              </a:rPr>
-              <a:t>Source « Wikipédia »</a:t>
-            </a:r>
-          </a:p>
-          <a:p>
-            <a:pPr algn="just">
-              <a:lnSpc>
-                <a:spcPct val="150000"/>
-              </a:lnSpc>
-            </a:pPr>
-            <a:endParaRPr lang="fr-FR" sz="1050" i="1" dirty="0">
-              <a:solidFill>
-                <a:schemeClr val="tx1">
-                  <a:alpha val="60000"/>
-                </a:schemeClr>
-              </a:solidFill>
-              <a:latin typeface="Titillium" charset="0"/>
-            </a:endParaRPr>
-          </a:p>
-          <a:p>
-            <a:pPr algn="just">
-              <a:lnSpc>
-                <a:spcPct val="150000"/>
-              </a:lnSpc>
-            </a:pPr>
-            <a:endParaRPr lang="fr-FR" sz="1050" i="1" dirty="0">
-              <a:solidFill>
-                <a:schemeClr val="tx1">
-                  <a:alpha val="60000"/>
-                </a:schemeClr>
-              </a:solidFill>
-              <a:latin typeface="Titillium" charset="0"/>
-            </a:endParaRPr>
-          </a:p>
-          <a:p>
-            <a:pPr algn="just">
-              <a:lnSpc>
-                <a:spcPct val="150000"/>
-              </a:lnSpc>
-            </a:pPr>
-            <a:endParaRPr lang="fr-FR" sz="1200" dirty="0">
-              <a:solidFill>
-                <a:schemeClr val="tx1">
-                  <a:alpha val="60000"/>
-                </a:schemeClr>
-              </a:solidFill>
-              <a:latin typeface="Titillium" charset="0"/>
-            </a:endParaRPr>
-          </a:p>
-          <a:p>
-            <a:pPr algn="just">
-              <a:lnSpc>
-                <a:spcPct val="150000"/>
-              </a:lnSpc>
-            </a:pPr>
-            <a:endParaRPr lang="fr-FR" sz="1200" dirty="0">
-              <a:solidFill>
-                <a:schemeClr val="tx1">
-                  <a:alpha val="60000"/>
-                </a:schemeClr>
-              </a:solidFill>
-              <a:latin typeface="Titillium" charset="0"/>
-            </a:endParaRPr>
-          </a:p>
-          <a:p>
-            <a:pPr algn="just">
-              <a:lnSpc>
-                <a:spcPct val="150000"/>
-              </a:lnSpc>
-            </a:pPr>
-            <a:endParaRPr lang="fr-FR" sz="1200" dirty="0">
-              <a:solidFill>
-                <a:schemeClr val="tx1">
-                  <a:alpha val="60000"/>
-                </a:schemeClr>
-              </a:solidFill>
-              <a:latin typeface="Titillium" charset="0"/>
-            </a:endParaRPr>
-          </a:p>
-          <a:p>
-            <a:pPr algn="just">
-              <a:lnSpc>
-                <a:spcPct val="150000"/>
-              </a:lnSpc>
-            </a:pPr>
-            <a:endParaRPr lang="fr-FR" sz="1200" dirty="0">
-              <a:solidFill>
-                <a:schemeClr val="tx1">
-                  <a:alpha val="60000"/>
-                </a:schemeClr>
-              </a:solidFill>
-              <a:latin typeface="Titillium" charset="0"/>
-            </a:endParaRPr>
           </a:p>
         </p:txBody>
       </p:sp>
@@ -9547,7 +9833,7 @@
         </p:nvCxnSpPr>
         <p:spPr>
           <a:xfrm>
-            <a:off x="536936" y="360971"/>
+            <a:off x="3724018" y="3020310"/>
             <a:ext cx="0" cy="817380"/>
           </a:xfrm>
           <a:prstGeom prst="line">
@@ -11576,11 +11862,11 @@
                 <a:ea typeface="Titillium" charset="0"/>
                 <a:cs typeface="Titillium" charset="0"/>
               </a:rPr>
-              <a:t>Hau</a:t>
+              <a:t>Tête</a:t>
             </a:r>
             <a:r>
               <a:rPr lang="fr-FR" b="1" spc="200" dirty="0"/>
-              <a:t>t de page</a:t>
+              <a:t> de page</a:t>
             </a:r>
             <a:endParaRPr lang="fr-FR" sz="3200" b="1" spc="200" dirty="0">
               <a:latin typeface="Titillium" charset="0"/>
@@ -12229,7 +12515,7 @@
         </p:spPr>
         <p:txBody>
           <a:bodyPr>
-            <a:normAutofit fontScale="90000"/>
+            <a:normAutofit/>
           </a:bodyPr>
           <a:lstStyle/>
           <a:p>
@@ -12244,7 +12530,7 @@
                 <a:ea typeface="Titillium" charset="0"/>
                 <a:cs typeface="Titillium" charset="0"/>
               </a:rPr>
-              <a:t>A propos de moi</a:t>
+              <a:t>Haut de Page</a:t>
             </a:r>
           </a:p>
         </p:txBody>
@@ -12353,10 +12639,10 @@
       </p:grpSp>
       <p:pic>
         <p:nvPicPr>
-          <p:cNvPr id="8" name="Image 7">
+          <p:cNvPr id="6" name="Image 5">
             <a:extLst>
               <a:ext uri="{FF2B5EF4-FFF2-40B4-BE49-F238E27FC236}">
-                <a16:creationId xmlns:a16="http://schemas.microsoft.com/office/drawing/2014/main" id="{1221C008-8E0F-47E2-A565-F5A1D8C6451D}"/>
+                <a16:creationId xmlns:a16="http://schemas.microsoft.com/office/drawing/2014/main" id="{6829F584-7FE0-4E43-BA42-784655041A9D}"/>
               </a:ext>
             </a:extLst>
           </p:cNvPr>
@@ -12365,15 +12651,16 @@
           </p:cNvPicPr>
           <p:nvPr/>
         </p:nvPicPr>
-        <p:blipFill rotWithShape="1">
+        <p:blipFill>
           <a:blip r:embed="rId3"/>
-          <a:srcRect r="34300"/>
-          <a:stretch/>
+          <a:stretch>
+            <a:fillRect/>
+          </a:stretch>
         </p:blipFill>
         <p:spPr>
           <a:xfrm>
-            <a:off x="8605184" y="1494400"/>
-            <a:ext cx="3260382" cy="4743450"/>
+            <a:off x="0" y="1547975"/>
+            <a:ext cx="12192000" cy="654863"/>
           </a:xfrm>
           <a:prstGeom prst="rect">
             <a:avLst/>
@@ -12382,10 +12669,10 @@
       </p:pic>
       <p:pic>
         <p:nvPicPr>
-          <p:cNvPr id="10" name="Image 9">
+          <p:cNvPr id="9" name="Image 8">
             <a:extLst>
               <a:ext uri="{FF2B5EF4-FFF2-40B4-BE49-F238E27FC236}">
-                <a16:creationId xmlns:a16="http://schemas.microsoft.com/office/drawing/2014/main" id="{887C1CD0-46A1-4EC9-BD55-D6DD48704174}"/>
+                <a16:creationId xmlns:a16="http://schemas.microsoft.com/office/drawing/2014/main" id="{3B5424D0-ED34-43A7-8948-735438448D19}"/>
               </a:ext>
             </a:extLst>
           </p:cNvPr>
@@ -12402,8 +12689,8 @@
         </p:blipFill>
         <p:spPr>
           <a:xfrm>
-            <a:off x="788519" y="1494400"/>
-            <a:ext cx="7354576" cy="2475250"/>
+            <a:off x="394686" y="2505075"/>
+            <a:ext cx="6324600" cy="1847850"/>
           </a:xfrm>
           <a:prstGeom prst="rect">
             <a:avLst/>
@@ -12412,10 +12699,10 @@
       </p:pic>
       <p:pic>
         <p:nvPicPr>
-          <p:cNvPr id="4" name="Image 3">
+          <p:cNvPr id="12" name="Image 11">
             <a:extLst>
               <a:ext uri="{FF2B5EF4-FFF2-40B4-BE49-F238E27FC236}">
-                <a16:creationId xmlns:a16="http://schemas.microsoft.com/office/drawing/2014/main" id="{D9F8E987-B4E7-4B19-98E2-188FBEFFED56}"/>
+                <a16:creationId xmlns:a16="http://schemas.microsoft.com/office/drawing/2014/main" id="{D1A7EC5A-03BC-48D3-9C37-0285B45FB0E3}"/>
               </a:ext>
             </a:extLst>
           </p:cNvPr>
@@ -12432,8 +12719,8 @@
         </p:blipFill>
         <p:spPr>
           <a:xfrm>
-            <a:off x="717909" y="4482784"/>
-            <a:ext cx="7425186" cy="1234846"/>
+            <a:off x="7726188" y="2505075"/>
+            <a:ext cx="3481992" cy="3307164"/>
           </a:xfrm>
           <a:prstGeom prst="rect">
             <a:avLst/>
@@ -12503,7 +12790,7 @@
                 <a:ea typeface="Titillium" charset="0"/>
                 <a:cs typeface="Titillium" charset="0"/>
               </a:rPr>
-              <a:t>Ma Formation</a:t>
+              <a:t>A propos de Lui</a:t>
             </a:r>
           </a:p>
         </p:txBody>
@@ -12561,7 +12848,7 @@
                   <a:ea typeface="Titillium Light" charset="0"/>
                   <a:cs typeface="Titillium Light" charset="0"/>
                 </a:rPr>
-                <a:t>03</a:t>
+                <a:t>02</a:t>
               </a:r>
             </a:p>
           </p:txBody>
@@ -12612,10 +12899,39 @@
       </p:grpSp>
       <p:pic>
         <p:nvPicPr>
-          <p:cNvPr id="9" name="Image 8">
+          <p:cNvPr id="4" name="Image 3">
             <a:extLst>
               <a:ext uri="{FF2B5EF4-FFF2-40B4-BE49-F238E27FC236}">
-                <a16:creationId xmlns:a16="http://schemas.microsoft.com/office/drawing/2014/main" id="{FC0598BD-2406-40E7-B3A3-332B2E64B529}"/>
+                <a16:creationId xmlns:a16="http://schemas.microsoft.com/office/drawing/2014/main" id="{D8F5AB91-E181-466B-B65A-A29B839F899B}"/>
+              </a:ext>
+            </a:extLst>
+          </p:cNvPr>
+          <p:cNvPicPr>
+            <a:picLocks noChangeAspect="1"/>
+          </p:cNvPicPr>
+          <p:nvPr/>
+        </p:nvPicPr>
+        <p:blipFill rotWithShape="1">
+          <a:blip r:embed="rId3"/>
+          <a:srcRect r="1190"/>
+          <a:stretch/>
+        </p:blipFill>
+        <p:spPr>
+          <a:xfrm>
+            <a:off x="88776" y="1441620"/>
+            <a:ext cx="6942431" cy="2526697"/>
+          </a:xfrm>
+          <a:prstGeom prst="rect">
+            <a:avLst/>
+          </a:prstGeom>
+        </p:spPr>
+      </p:pic>
+      <p:pic>
+        <p:nvPicPr>
+          <p:cNvPr id="11" name="Image 10">
+            <a:extLst>
+              <a:ext uri="{FF2B5EF4-FFF2-40B4-BE49-F238E27FC236}">
+                <a16:creationId xmlns:a16="http://schemas.microsoft.com/office/drawing/2014/main" id="{20464EEE-566A-4DE7-B983-55F5FE35DB76}"/>
               </a:ext>
             </a:extLst>
           </p:cNvPr>
@@ -12625,15 +12941,1591 @@
           <p:nvPr/>
         </p:nvPicPr>
         <p:blipFill>
-          <a:blip r:embed="rId3"/>
+          <a:blip r:embed="rId4"/>
           <a:stretch>
             <a:fillRect/>
           </a:stretch>
         </p:blipFill>
         <p:spPr>
           <a:xfrm>
-            <a:off x="2565786" y="1470581"/>
-            <a:ext cx="7060421" cy="4913956"/>
+            <a:off x="88777" y="4303167"/>
+            <a:ext cx="7217300" cy="1482920"/>
+          </a:xfrm>
+          <a:prstGeom prst="rect">
+            <a:avLst/>
+          </a:prstGeom>
+        </p:spPr>
+      </p:pic>
+      <p:pic>
+        <p:nvPicPr>
+          <p:cNvPr id="14" name="Image 13">
+            <a:extLst>
+              <a:ext uri="{FF2B5EF4-FFF2-40B4-BE49-F238E27FC236}">
+                <a16:creationId xmlns:a16="http://schemas.microsoft.com/office/drawing/2014/main" id="{17399200-B77E-4D66-A071-4E673F309A68}"/>
+              </a:ext>
+            </a:extLst>
+          </p:cNvPr>
+          <p:cNvPicPr>
+            <a:picLocks noChangeAspect="1"/>
+          </p:cNvPicPr>
+          <p:nvPr/>
+        </p:nvPicPr>
+        <p:blipFill>
+          <a:blip r:embed="rId5"/>
+          <a:stretch>
+            <a:fillRect/>
+          </a:stretch>
+        </p:blipFill>
+        <p:spPr>
+          <a:xfrm>
+            <a:off x="7726188" y="1645258"/>
+            <a:ext cx="1706430" cy="1011717"/>
+          </a:xfrm>
+          <a:prstGeom prst="rect">
+            <a:avLst/>
+          </a:prstGeom>
+        </p:spPr>
+      </p:pic>
+      <p:pic>
+        <p:nvPicPr>
+          <p:cNvPr id="16" name="Image 15">
+            <a:extLst>
+              <a:ext uri="{FF2B5EF4-FFF2-40B4-BE49-F238E27FC236}">
+                <a16:creationId xmlns:a16="http://schemas.microsoft.com/office/drawing/2014/main" id="{4A5E15F6-B80D-4DCA-83D9-439E59744DF2}"/>
+              </a:ext>
+            </a:extLst>
+          </p:cNvPr>
+          <p:cNvPicPr>
+            <a:picLocks noChangeAspect="1"/>
+          </p:cNvPicPr>
+          <p:nvPr/>
+        </p:nvPicPr>
+        <p:blipFill>
+          <a:blip r:embed="rId6"/>
+          <a:stretch>
+            <a:fillRect/>
+          </a:stretch>
+        </p:blipFill>
+        <p:spPr>
+          <a:xfrm>
+            <a:off x="9432618" y="1632233"/>
+            <a:ext cx="1837288" cy="1004659"/>
+          </a:xfrm>
+          <a:prstGeom prst="rect">
+            <a:avLst/>
+          </a:prstGeom>
+        </p:spPr>
+      </p:pic>
+      <p:pic>
+        <p:nvPicPr>
+          <p:cNvPr id="18" name="Image 17">
+            <a:extLst>
+              <a:ext uri="{FF2B5EF4-FFF2-40B4-BE49-F238E27FC236}">
+                <a16:creationId xmlns:a16="http://schemas.microsoft.com/office/drawing/2014/main" id="{7A0CC072-2A60-44E4-8CD8-847E5C55F2F8}"/>
+              </a:ext>
+            </a:extLst>
+          </p:cNvPr>
+          <p:cNvPicPr>
+            <a:picLocks noChangeAspect="1"/>
+          </p:cNvPicPr>
+          <p:nvPr/>
+        </p:nvPicPr>
+        <p:blipFill>
+          <a:blip r:embed="rId7"/>
+          <a:stretch>
+            <a:fillRect/>
+          </a:stretch>
+        </p:blipFill>
+        <p:spPr>
+          <a:xfrm>
+            <a:off x="7726188" y="2933858"/>
+            <a:ext cx="1562715" cy="836674"/>
+          </a:xfrm>
+          <a:prstGeom prst="rect">
+            <a:avLst/>
+          </a:prstGeom>
+        </p:spPr>
+      </p:pic>
+      <p:pic>
+        <p:nvPicPr>
+          <p:cNvPr id="22" name="Image 21">
+            <a:extLst>
+              <a:ext uri="{FF2B5EF4-FFF2-40B4-BE49-F238E27FC236}">
+                <a16:creationId xmlns:a16="http://schemas.microsoft.com/office/drawing/2014/main" id="{69C983A1-4C3C-4C76-973A-199FBA4443D0}"/>
+              </a:ext>
+            </a:extLst>
+          </p:cNvPr>
+          <p:cNvPicPr>
+            <a:picLocks noChangeAspect="1"/>
+          </p:cNvPicPr>
+          <p:nvPr/>
+        </p:nvPicPr>
+        <p:blipFill>
+          <a:blip r:embed="rId8"/>
+          <a:stretch>
+            <a:fillRect/>
+          </a:stretch>
+        </p:blipFill>
+        <p:spPr>
+          <a:xfrm>
+            <a:off x="9536864" y="2976585"/>
+            <a:ext cx="2036995" cy="793947"/>
+          </a:xfrm>
+          <a:prstGeom prst="rect">
+            <a:avLst/>
+          </a:prstGeom>
+        </p:spPr>
+      </p:pic>
+      <p:sp>
+        <p:nvSpPr>
+          <p:cNvPr id="23" name="Rectangle 22">
+            <a:extLst>
+              <a:ext uri="{FF2B5EF4-FFF2-40B4-BE49-F238E27FC236}">
+                <a16:creationId xmlns:a16="http://schemas.microsoft.com/office/drawing/2014/main" id="{5C56003B-54C2-47C0-887E-9EEFF831609A}"/>
+              </a:ext>
+            </a:extLst>
+          </p:cNvPr>
+          <p:cNvSpPr/>
+          <p:nvPr/>
+        </p:nvSpPr>
+        <p:spPr>
+          <a:xfrm>
+            <a:off x="336550" y="4419600"/>
+            <a:ext cx="2057400" cy="158750"/>
+          </a:xfrm>
+          <a:prstGeom prst="rect">
+            <a:avLst/>
+          </a:prstGeom>
+          <a:solidFill>
+            <a:srgbClr val="FF0000">
+              <a:alpha val="40000"/>
+            </a:srgbClr>
+          </a:solidFill>
+          <a:ln>
+            <a:noFill/>
+          </a:ln>
+        </p:spPr>
+        <p:style>
+          <a:lnRef idx="2">
+            <a:schemeClr val="accent1">
+              <a:shade val="50000"/>
+            </a:schemeClr>
+          </a:lnRef>
+          <a:fillRef idx="1">
+            <a:schemeClr val="accent1"/>
+          </a:fillRef>
+          <a:effectRef idx="0">
+            <a:schemeClr val="accent1"/>
+          </a:effectRef>
+          <a:fontRef idx="minor">
+            <a:schemeClr val="lt1"/>
+          </a:fontRef>
+        </p:style>
+        <p:txBody>
+          <a:bodyPr rtlCol="0" anchor="ctr"/>
+          <a:lstStyle/>
+          <a:p>
+            <a:pPr algn="ctr"/>
+            <a:endParaRPr lang="fr-FR"/>
+          </a:p>
+        </p:txBody>
+      </p:sp>
+      <p:sp>
+        <p:nvSpPr>
+          <p:cNvPr id="28" name="Rectangle 27">
+            <a:extLst>
+              <a:ext uri="{FF2B5EF4-FFF2-40B4-BE49-F238E27FC236}">
+                <a16:creationId xmlns:a16="http://schemas.microsoft.com/office/drawing/2014/main" id="{85D906D2-52B2-4BAE-A2D7-7C49C8AD9203}"/>
+              </a:ext>
+            </a:extLst>
+          </p:cNvPr>
+          <p:cNvSpPr/>
+          <p:nvPr/>
+        </p:nvSpPr>
+        <p:spPr>
+          <a:xfrm>
+            <a:off x="152400" y="1530350"/>
+            <a:ext cx="1479550" cy="158750"/>
+          </a:xfrm>
+          <a:prstGeom prst="rect">
+            <a:avLst/>
+          </a:prstGeom>
+          <a:solidFill>
+            <a:srgbClr val="FF0000">
+              <a:alpha val="40000"/>
+            </a:srgbClr>
+          </a:solidFill>
+          <a:ln>
+            <a:noFill/>
+          </a:ln>
+        </p:spPr>
+        <p:style>
+          <a:lnRef idx="2">
+            <a:schemeClr val="accent1">
+              <a:shade val="50000"/>
+            </a:schemeClr>
+          </a:lnRef>
+          <a:fillRef idx="1">
+            <a:schemeClr val="accent1"/>
+          </a:fillRef>
+          <a:effectRef idx="0">
+            <a:schemeClr val="accent1"/>
+          </a:effectRef>
+          <a:fontRef idx="minor">
+            <a:schemeClr val="lt1"/>
+          </a:fontRef>
+        </p:style>
+        <p:txBody>
+          <a:bodyPr rtlCol="0" anchor="ctr"/>
+          <a:lstStyle/>
+          <a:p>
+            <a:pPr algn="ctr"/>
+            <a:endParaRPr lang="fr-FR"/>
+          </a:p>
+        </p:txBody>
+      </p:sp>
+      <p:sp>
+        <p:nvSpPr>
+          <p:cNvPr id="29" name="Rectangle 28">
+            <a:extLst>
+              <a:ext uri="{FF2B5EF4-FFF2-40B4-BE49-F238E27FC236}">
+                <a16:creationId xmlns:a16="http://schemas.microsoft.com/office/drawing/2014/main" id="{97F03FA8-B191-47E1-9EC4-E54E3AABDB1F}"/>
+              </a:ext>
+            </a:extLst>
+          </p:cNvPr>
+          <p:cNvSpPr/>
+          <p:nvPr/>
+        </p:nvSpPr>
+        <p:spPr>
+          <a:xfrm flipV="1">
+            <a:off x="9492352" y="1579214"/>
+            <a:ext cx="1695990" cy="1057677"/>
+          </a:xfrm>
+          <a:prstGeom prst="rect">
+            <a:avLst/>
+          </a:prstGeom>
+          <a:solidFill>
+            <a:srgbClr val="FF0000">
+              <a:alpha val="40000"/>
+            </a:srgbClr>
+          </a:solidFill>
+          <a:ln>
+            <a:noFill/>
+          </a:ln>
+        </p:spPr>
+        <p:style>
+          <a:lnRef idx="2">
+            <a:schemeClr val="accent1">
+              <a:shade val="50000"/>
+            </a:schemeClr>
+          </a:lnRef>
+          <a:fillRef idx="1">
+            <a:schemeClr val="accent1"/>
+          </a:fillRef>
+          <a:effectRef idx="0">
+            <a:schemeClr val="accent1"/>
+          </a:effectRef>
+          <a:fontRef idx="minor">
+            <a:schemeClr val="lt1"/>
+          </a:fontRef>
+        </p:style>
+        <p:txBody>
+          <a:bodyPr rtlCol="0" anchor="ctr"/>
+          <a:lstStyle/>
+          <a:p>
+            <a:pPr algn="ctr"/>
+            <a:endParaRPr lang="fr-FR"/>
+          </a:p>
+        </p:txBody>
+      </p:sp>
+      <p:pic>
+        <p:nvPicPr>
+          <p:cNvPr id="25" name="Image 24">
+            <a:extLst>
+              <a:ext uri="{FF2B5EF4-FFF2-40B4-BE49-F238E27FC236}">
+                <a16:creationId xmlns:a16="http://schemas.microsoft.com/office/drawing/2014/main" id="{93AEBE13-7554-4039-BA17-7A1772D404BD}"/>
+              </a:ext>
+            </a:extLst>
+          </p:cNvPr>
+          <p:cNvPicPr>
+            <a:picLocks noChangeAspect="1"/>
+          </p:cNvPicPr>
+          <p:nvPr/>
+        </p:nvPicPr>
+        <p:blipFill>
+          <a:blip r:embed="rId9"/>
+          <a:stretch>
+            <a:fillRect/>
+          </a:stretch>
+        </p:blipFill>
+        <p:spPr>
+          <a:xfrm>
+            <a:off x="9492350" y="2911595"/>
+            <a:ext cx="2497116" cy="858937"/>
+          </a:xfrm>
+          <a:prstGeom prst="rect">
+            <a:avLst/>
+          </a:prstGeom>
+        </p:spPr>
+      </p:pic>
+      <p:sp>
+        <p:nvSpPr>
+          <p:cNvPr id="30" name="Rectangle 29">
+            <a:extLst>
+              <a:ext uri="{FF2B5EF4-FFF2-40B4-BE49-F238E27FC236}">
+                <a16:creationId xmlns:a16="http://schemas.microsoft.com/office/drawing/2014/main" id="{116FEA03-1847-404F-BC3C-B660A28B5412}"/>
+              </a:ext>
+            </a:extLst>
+          </p:cNvPr>
+          <p:cNvSpPr/>
+          <p:nvPr/>
+        </p:nvSpPr>
+        <p:spPr>
+          <a:xfrm>
+            <a:off x="234950" y="1909412"/>
+            <a:ext cx="1327150" cy="992537"/>
+          </a:xfrm>
+          <a:prstGeom prst="rect">
+            <a:avLst/>
+          </a:prstGeom>
+          <a:solidFill>
+            <a:srgbClr val="00B0F0">
+              <a:alpha val="40000"/>
+            </a:srgbClr>
+          </a:solidFill>
+          <a:ln>
+            <a:noFill/>
+          </a:ln>
+        </p:spPr>
+        <p:style>
+          <a:lnRef idx="2">
+            <a:schemeClr val="accent1">
+              <a:shade val="50000"/>
+            </a:schemeClr>
+          </a:lnRef>
+          <a:fillRef idx="1">
+            <a:schemeClr val="accent1"/>
+          </a:fillRef>
+          <a:effectRef idx="0">
+            <a:schemeClr val="accent1"/>
+          </a:effectRef>
+          <a:fontRef idx="minor">
+            <a:schemeClr val="lt1"/>
+          </a:fontRef>
+        </p:style>
+        <p:txBody>
+          <a:bodyPr rtlCol="0" anchor="ctr"/>
+          <a:lstStyle/>
+          <a:p>
+            <a:pPr algn="ctr"/>
+            <a:endParaRPr lang="fr-FR"/>
+          </a:p>
+        </p:txBody>
+      </p:sp>
+      <p:sp>
+        <p:nvSpPr>
+          <p:cNvPr id="31" name="Rectangle 30">
+            <a:extLst>
+              <a:ext uri="{FF2B5EF4-FFF2-40B4-BE49-F238E27FC236}">
+                <a16:creationId xmlns:a16="http://schemas.microsoft.com/office/drawing/2014/main" id="{4606051C-FF71-44FE-A71E-A53DFA7F7216}"/>
+              </a:ext>
+            </a:extLst>
+          </p:cNvPr>
+          <p:cNvSpPr/>
+          <p:nvPr/>
+        </p:nvSpPr>
+        <p:spPr>
+          <a:xfrm>
+            <a:off x="1145406" y="4577921"/>
+            <a:ext cx="4310514" cy="158750"/>
+          </a:xfrm>
+          <a:prstGeom prst="rect">
+            <a:avLst/>
+          </a:prstGeom>
+          <a:solidFill>
+            <a:srgbClr val="00B0F0">
+              <a:alpha val="40000"/>
+            </a:srgbClr>
+          </a:solidFill>
+          <a:ln>
+            <a:noFill/>
+          </a:ln>
+        </p:spPr>
+        <p:style>
+          <a:lnRef idx="2">
+            <a:schemeClr val="accent1">
+              <a:shade val="50000"/>
+            </a:schemeClr>
+          </a:lnRef>
+          <a:fillRef idx="1">
+            <a:schemeClr val="accent1"/>
+          </a:fillRef>
+          <a:effectRef idx="0">
+            <a:schemeClr val="accent1"/>
+          </a:effectRef>
+          <a:fontRef idx="minor">
+            <a:schemeClr val="lt1"/>
+          </a:fontRef>
+        </p:style>
+        <p:txBody>
+          <a:bodyPr rtlCol="0" anchor="ctr"/>
+          <a:lstStyle/>
+          <a:p>
+            <a:pPr algn="ctr"/>
+            <a:endParaRPr lang="fr-FR"/>
+          </a:p>
+        </p:txBody>
+      </p:sp>
+      <p:sp>
+        <p:nvSpPr>
+          <p:cNvPr id="32" name="Rectangle 31">
+            <a:extLst>
+              <a:ext uri="{FF2B5EF4-FFF2-40B4-BE49-F238E27FC236}">
+                <a16:creationId xmlns:a16="http://schemas.microsoft.com/office/drawing/2014/main" id="{38D307C2-75D0-405D-B1B3-204D7C2F7397}"/>
+              </a:ext>
+            </a:extLst>
+          </p:cNvPr>
+          <p:cNvSpPr/>
+          <p:nvPr/>
+        </p:nvSpPr>
+        <p:spPr>
+          <a:xfrm>
+            <a:off x="9492351" y="2843343"/>
+            <a:ext cx="2464697" cy="927189"/>
+          </a:xfrm>
+          <a:prstGeom prst="rect">
+            <a:avLst/>
+          </a:prstGeom>
+          <a:solidFill>
+            <a:srgbClr val="00B0F0">
+              <a:alpha val="40000"/>
+            </a:srgbClr>
+          </a:solidFill>
+          <a:ln>
+            <a:noFill/>
+          </a:ln>
+        </p:spPr>
+        <p:style>
+          <a:lnRef idx="2">
+            <a:schemeClr val="accent1">
+              <a:shade val="50000"/>
+            </a:schemeClr>
+          </a:lnRef>
+          <a:fillRef idx="1">
+            <a:schemeClr val="accent1"/>
+          </a:fillRef>
+          <a:effectRef idx="0">
+            <a:schemeClr val="accent1"/>
+          </a:effectRef>
+          <a:fontRef idx="minor">
+            <a:schemeClr val="lt1"/>
+          </a:fontRef>
+        </p:style>
+        <p:txBody>
+          <a:bodyPr rtlCol="0" anchor="ctr"/>
+          <a:lstStyle/>
+          <a:p>
+            <a:pPr algn="ctr"/>
+            <a:endParaRPr lang="fr-FR"/>
+          </a:p>
+        </p:txBody>
+      </p:sp>
+      <p:sp>
+        <p:nvSpPr>
+          <p:cNvPr id="33" name="Rectangle 32">
+            <a:extLst>
+              <a:ext uri="{FF2B5EF4-FFF2-40B4-BE49-F238E27FC236}">
+                <a16:creationId xmlns:a16="http://schemas.microsoft.com/office/drawing/2014/main" id="{F8470A46-CCF4-4148-AFA5-DC3A6126D643}"/>
+              </a:ext>
+            </a:extLst>
+          </p:cNvPr>
+          <p:cNvSpPr/>
+          <p:nvPr/>
+        </p:nvSpPr>
+        <p:spPr>
+          <a:xfrm>
+            <a:off x="9651999" y="3349625"/>
+            <a:ext cx="2263775" cy="158750"/>
+          </a:xfrm>
+          <a:prstGeom prst="rect">
+            <a:avLst/>
+          </a:prstGeom>
+          <a:solidFill>
+            <a:srgbClr val="FFFF00">
+              <a:alpha val="40000"/>
+            </a:srgbClr>
+          </a:solidFill>
+          <a:ln>
+            <a:noFill/>
+          </a:ln>
+        </p:spPr>
+        <p:style>
+          <a:lnRef idx="2">
+            <a:schemeClr val="accent1">
+              <a:shade val="50000"/>
+            </a:schemeClr>
+          </a:lnRef>
+          <a:fillRef idx="1">
+            <a:schemeClr val="accent1"/>
+          </a:fillRef>
+          <a:effectRef idx="0">
+            <a:schemeClr val="accent1"/>
+          </a:effectRef>
+          <a:fontRef idx="minor">
+            <a:schemeClr val="lt1"/>
+          </a:fontRef>
+        </p:style>
+        <p:txBody>
+          <a:bodyPr rtlCol="0" anchor="ctr"/>
+          <a:lstStyle/>
+          <a:p>
+            <a:pPr algn="ctr"/>
+            <a:endParaRPr lang="fr-FR">
+              <a:solidFill>
+                <a:schemeClr val="accent4"/>
+              </a:solidFill>
+            </a:endParaRPr>
+          </a:p>
+        </p:txBody>
+      </p:sp>
+      <p:sp>
+        <p:nvSpPr>
+          <p:cNvPr id="34" name="Rectangle 33">
+            <a:extLst>
+              <a:ext uri="{FF2B5EF4-FFF2-40B4-BE49-F238E27FC236}">
+                <a16:creationId xmlns:a16="http://schemas.microsoft.com/office/drawing/2014/main" id="{462ED413-2B46-4E4F-A120-8AC969A162A9}"/>
+              </a:ext>
+            </a:extLst>
+          </p:cNvPr>
+          <p:cNvSpPr/>
+          <p:nvPr/>
+        </p:nvSpPr>
+        <p:spPr>
+          <a:xfrm>
+            <a:off x="1562100" y="1909413"/>
+            <a:ext cx="101600" cy="1100292"/>
+          </a:xfrm>
+          <a:prstGeom prst="rect">
+            <a:avLst/>
+          </a:prstGeom>
+          <a:solidFill>
+            <a:srgbClr val="FFFF00">
+              <a:alpha val="40000"/>
+            </a:srgbClr>
+          </a:solidFill>
+          <a:ln>
+            <a:noFill/>
+          </a:ln>
+        </p:spPr>
+        <p:style>
+          <a:lnRef idx="2">
+            <a:schemeClr val="accent1">
+              <a:shade val="50000"/>
+            </a:schemeClr>
+          </a:lnRef>
+          <a:fillRef idx="1">
+            <a:schemeClr val="accent1"/>
+          </a:fillRef>
+          <a:effectRef idx="0">
+            <a:schemeClr val="accent1"/>
+          </a:effectRef>
+          <a:fontRef idx="minor">
+            <a:schemeClr val="lt1"/>
+          </a:fontRef>
+        </p:style>
+        <p:txBody>
+          <a:bodyPr rtlCol="0" anchor="ctr"/>
+          <a:lstStyle/>
+          <a:p>
+            <a:pPr algn="ctr"/>
+            <a:endParaRPr lang="fr-FR">
+              <a:solidFill>
+                <a:schemeClr val="accent4"/>
+              </a:solidFill>
+            </a:endParaRPr>
+          </a:p>
+        </p:txBody>
+      </p:sp>
+      <p:sp>
+        <p:nvSpPr>
+          <p:cNvPr id="35" name="Rectangle 34">
+            <a:extLst>
+              <a:ext uri="{FF2B5EF4-FFF2-40B4-BE49-F238E27FC236}">
+                <a16:creationId xmlns:a16="http://schemas.microsoft.com/office/drawing/2014/main" id="{2F7B3FA2-AF9E-43BD-B6D9-FCB03AE986FD}"/>
+              </a:ext>
+            </a:extLst>
+          </p:cNvPr>
+          <p:cNvSpPr/>
+          <p:nvPr/>
+        </p:nvSpPr>
+        <p:spPr>
+          <a:xfrm rot="16200000">
+            <a:off x="847727" y="2295329"/>
+            <a:ext cx="101600" cy="1327149"/>
+          </a:xfrm>
+          <a:prstGeom prst="rect">
+            <a:avLst/>
+          </a:prstGeom>
+          <a:solidFill>
+            <a:srgbClr val="FFFF00">
+              <a:alpha val="40000"/>
+            </a:srgbClr>
+          </a:solidFill>
+          <a:ln>
+            <a:noFill/>
+          </a:ln>
+        </p:spPr>
+        <p:style>
+          <a:lnRef idx="2">
+            <a:schemeClr val="accent1">
+              <a:shade val="50000"/>
+            </a:schemeClr>
+          </a:lnRef>
+          <a:fillRef idx="1">
+            <a:schemeClr val="accent1"/>
+          </a:fillRef>
+          <a:effectRef idx="0">
+            <a:schemeClr val="accent1"/>
+          </a:effectRef>
+          <a:fontRef idx="minor">
+            <a:schemeClr val="lt1"/>
+          </a:fontRef>
+        </p:style>
+        <p:txBody>
+          <a:bodyPr rtlCol="0" anchor="ctr"/>
+          <a:lstStyle/>
+          <a:p>
+            <a:pPr algn="ctr"/>
+            <a:endParaRPr lang="fr-FR">
+              <a:solidFill>
+                <a:schemeClr val="accent4"/>
+              </a:solidFill>
+            </a:endParaRPr>
+          </a:p>
+        </p:txBody>
+      </p:sp>
+      <p:sp>
+        <p:nvSpPr>
+          <p:cNvPr id="36" name="Rectangle 35">
+            <a:extLst>
+              <a:ext uri="{FF2B5EF4-FFF2-40B4-BE49-F238E27FC236}">
+                <a16:creationId xmlns:a16="http://schemas.microsoft.com/office/drawing/2014/main" id="{F2D4EE63-A655-45A4-BF18-BD6745239B1A}"/>
+              </a:ext>
+            </a:extLst>
+          </p:cNvPr>
+          <p:cNvSpPr/>
+          <p:nvPr/>
+        </p:nvSpPr>
+        <p:spPr>
+          <a:xfrm>
+            <a:off x="336551" y="4577921"/>
+            <a:ext cx="808856" cy="158750"/>
+          </a:xfrm>
+          <a:prstGeom prst="rect">
+            <a:avLst/>
+          </a:prstGeom>
+          <a:solidFill>
+            <a:srgbClr val="00B050">
+              <a:alpha val="40000"/>
+            </a:srgbClr>
+          </a:solidFill>
+          <a:ln>
+            <a:noFill/>
+          </a:ln>
+        </p:spPr>
+        <p:style>
+          <a:lnRef idx="2">
+            <a:schemeClr val="accent1">
+              <a:shade val="50000"/>
+            </a:schemeClr>
+          </a:lnRef>
+          <a:fillRef idx="1">
+            <a:schemeClr val="accent1"/>
+          </a:fillRef>
+          <a:effectRef idx="0">
+            <a:schemeClr val="accent1"/>
+          </a:effectRef>
+          <a:fontRef idx="minor">
+            <a:schemeClr val="lt1"/>
+          </a:fontRef>
+        </p:style>
+        <p:txBody>
+          <a:bodyPr rtlCol="0" anchor="ctr"/>
+          <a:lstStyle/>
+          <a:p>
+            <a:pPr algn="ctr"/>
+            <a:endParaRPr lang="fr-FR">
+              <a:solidFill>
+                <a:schemeClr val="accent4"/>
+              </a:solidFill>
+            </a:endParaRPr>
+          </a:p>
+        </p:txBody>
+      </p:sp>
+      <p:sp>
+        <p:nvSpPr>
+          <p:cNvPr id="37" name="Rectangle 36">
+            <a:extLst>
+              <a:ext uri="{FF2B5EF4-FFF2-40B4-BE49-F238E27FC236}">
+                <a16:creationId xmlns:a16="http://schemas.microsoft.com/office/drawing/2014/main" id="{71C0B3E0-540B-44D5-A1AA-32AD9EB4A735}"/>
+              </a:ext>
+            </a:extLst>
+          </p:cNvPr>
+          <p:cNvSpPr/>
+          <p:nvPr/>
+        </p:nvSpPr>
+        <p:spPr>
+          <a:xfrm>
+            <a:off x="5455919" y="4580667"/>
+            <a:ext cx="1850157" cy="158750"/>
+          </a:xfrm>
+          <a:prstGeom prst="rect">
+            <a:avLst/>
+          </a:prstGeom>
+          <a:solidFill>
+            <a:srgbClr val="00B050">
+              <a:alpha val="40000"/>
+            </a:srgbClr>
+          </a:solidFill>
+          <a:ln>
+            <a:noFill/>
+          </a:ln>
+        </p:spPr>
+        <p:style>
+          <a:lnRef idx="2">
+            <a:schemeClr val="accent1">
+              <a:shade val="50000"/>
+            </a:schemeClr>
+          </a:lnRef>
+          <a:fillRef idx="1">
+            <a:schemeClr val="accent1"/>
+          </a:fillRef>
+          <a:effectRef idx="0">
+            <a:schemeClr val="accent1"/>
+          </a:effectRef>
+          <a:fontRef idx="minor">
+            <a:schemeClr val="lt1"/>
+          </a:fontRef>
+        </p:style>
+        <p:txBody>
+          <a:bodyPr rtlCol="0" anchor="ctr"/>
+          <a:lstStyle/>
+          <a:p>
+            <a:pPr algn="ctr"/>
+            <a:endParaRPr lang="fr-FR">
+              <a:solidFill>
+                <a:schemeClr val="accent4"/>
+              </a:solidFill>
+            </a:endParaRPr>
+          </a:p>
+        </p:txBody>
+      </p:sp>
+      <p:sp>
+        <p:nvSpPr>
+          <p:cNvPr id="38" name="Rectangle 37">
+            <a:extLst>
+              <a:ext uri="{FF2B5EF4-FFF2-40B4-BE49-F238E27FC236}">
+                <a16:creationId xmlns:a16="http://schemas.microsoft.com/office/drawing/2014/main" id="{19D7C5D7-7509-454E-A720-60DDEE9FF560}"/>
+              </a:ext>
+            </a:extLst>
+          </p:cNvPr>
+          <p:cNvSpPr/>
+          <p:nvPr/>
+        </p:nvSpPr>
+        <p:spPr>
+          <a:xfrm>
+            <a:off x="337720" y="4736241"/>
+            <a:ext cx="3980280" cy="335280"/>
+          </a:xfrm>
+          <a:prstGeom prst="rect">
+            <a:avLst/>
+          </a:prstGeom>
+          <a:solidFill>
+            <a:srgbClr val="00B050">
+              <a:alpha val="40000"/>
+            </a:srgbClr>
+          </a:solidFill>
+          <a:ln>
+            <a:noFill/>
+          </a:ln>
+        </p:spPr>
+        <p:style>
+          <a:lnRef idx="2">
+            <a:schemeClr val="accent1">
+              <a:shade val="50000"/>
+            </a:schemeClr>
+          </a:lnRef>
+          <a:fillRef idx="1">
+            <a:schemeClr val="accent1"/>
+          </a:fillRef>
+          <a:effectRef idx="0">
+            <a:schemeClr val="accent1"/>
+          </a:effectRef>
+          <a:fontRef idx="minor">
+            <a:schemeClr val="lt1"/>
+          </a:fontRef>
+        </p:style>
+        <p:txBody>
+          <a:bodyPr rtlCol="0" anchor="ctr"/>
+          <a:lstStyle/>
+          <a:p>
+            <a:pPr algn="ctr"/>
+            <a:endParaRPr lang="fr-FR">
+              <a:solidFill>
+                <a:schemeClr val="accent4"/>
+              </a:solidFill>
+            </a:endParaRPr>
+          </a:p>
+        </p:txBody>
+      </p:sp>
+      <p:sp>
+        <p:nvSpPr>
+          <p:cNvPr id="39" name="Rectangle 38">
+            <a:extLst>
+              <a:ext uri="{FF2B5EF4-FFF2-40B4-BE49-F238E27FC236}">
+                <a16:creationId xmlns:a16="http://schemas.microsoft.com/office/drawing/2014/main" id="{101D2AAD-E077-4CF7-953B-E01A881D54A6}"/>
+              </a:ext>
+            </a:extLst>
+          </p:cNvPr>
+          <p:cNvSpPr/>
+          <p:nvPr/>
+        </p:nvSpPr>
+        <p:spPr>
+          <a:xfrm>
+            <a:off x="1663699" y="1906666"/>
+            <a:ext cx="5367507" cy="1522333"/>
+          </a:xfrm>
+          <a:prstGeom prst="rect">
+            <a:avLst/>
+          </a:prstGeom>
+          <a:solidFill>
+            <a:srgbClr val="00B050">
+              <a:alpha val="40000"/>
+            </a:srgbClr>
+          </a:solidFill>
+          <a:ln>
+            <a:noFill/>
+          </a:ln>
+        </p:spPr>
+        <p:style>
+          <a:lnRef idx="2">
+            <a:schemeClr val="accent1">
+              <a:shade val="50000"/>
+            </a:schemeClr>
+          </a:lnRef>
+          <a:fillRef idx="1">
+            <a:schemeClr val="accent1"/>
+          </a:fillRef>
+          <a:effectRef idx="0">
+            <a:schemeClr val="accent1"/>
+          </a:effectRef>
+          <a:fontRef idx="minor">
+            <a:schemeClr val="lt1"/>
+          </a:fontRef>
+        </p:style>
+        <p:txBody>
+          <a:bodyPr rtlCol="0" anchor="ctr"/>
+          <a:lstStyle/>
+          <a:p>
+            <a:pPr algn="ctr"/>
+            <a:endParaRPr lang="fr-FR">
+              <a:solidFill>
+                <a:schemeClr val="accent4"/>
+              </a:solidFill>
+            </a:endParaRPr>
+          </a:p>
+        </p:txBody>
+      </p:sp>
+      <p:sp>
+        <p:nvSpPr>
+          <p:cNvPr id="40" name="Rectangle 39">
+            <a:extLst>
+              <a:ext uri="{FF2B5EF4-FFF2-40B4-BE49-F238E27FC236}">
+                <a16:creationId xmlns:a16="http://schemas.microsoft.com/office/drawing/2014/main" id="{A460E6CB-E902-4EAD-90ED-096D8F8D927E}"/>
+              </a:ext>
+            </a:extLst>
+          </p:cNvPr>
+          <p:cNvSpPr/>
+          <p:nvPr/>
+        </p:nvSpPr>
+        <p:spPr>
+          <a:xfrm>
+            <a:off x="88775" y="3009704"/>
+            <a:ext cx="1574923" cy="419295"/>
+          </a:xfrm>
+          <a:prstGeom prst="rect">
+            <a:avLst/>
+          </a:prstGeom>
+          <a:solidFill>
+            <a:srgbClr val="00B050">
+              <a:alpha val="40000"/>
+            </a:srgbClr>
+          </a:solidFill>
+          <a:ln>
+            <a:noFill/>
+          </a:ln>
+        </p:spPr>
+        <p:style>
+          <a:lnRef idx="2">
+            <a:schemeClr val="accent1">
+              <a:shade val="50000"/>
+            </a:schemeClr>
+          </a:lnRef>
+          <a:fillRef idx="1">
+            <a:schemeClr val="accent1"/>
+          </a:fillRef>
+          <a:effectRef idx="0">
+            <a:schemeClr val="accent1"/>
+          </a:effectRef>
+          <a:fontRef idx="minor">
+            <a:schemeClr val="lt1"/>
+          </a:fontRef>
+        </p:style>
+        <p:txBody>
+          <a:bodyPr rtlCol="0" anchor="ctr"/>
+          <a:lstStyle/>
+          <a:p>
+            <a:pPr algn="ctr"/>
+            <a:endParaRPr lang="fr-FR">
+              <a:solidFill>
+                <a:schemeClr val="accent4"/>
+              </a:solidFill>
+            </a:endParaRPr>
+          </a:p>
+        </p:txBody>
+      </p:sp>
+      <p:sp>
+        <p:nvSpPr>
+          <p:cNvPr id="41" name="Rectangle 40">
+            <a:extLst>
+              <a:ext uri="{FF2B5EF4-FFF2-40B4-BE49-F238E27FC236}">
+                <a16:creationId xmlns:a16="http://schemas.microsoft.com/office/drawing/2014/main" id="{8B79F492-C16E-4AEC-B85F-95DFAFE65328}"/>
+              </a:ext>
+            </a:extLst>
+          </p:cNvPr>
+          <p:cNvSpPr/>
+          <p:nvPr/>
+        </p:nvSpPr>
+        <p:spPr>
+          <a:xfrm>
+            <a:off x="88773" y="1903258"/>
+            <a:ext cx="152525" cy="1100292"/>
+          </a:xfrm>
+          <a:prstGeom prst="rect">
+            <a:avLst/>
+          </a:prstGeom>
+          <a:solidFill>
+            <a:srgbClr val="FFFF00">
+              <a:alpha val="40000"/>
+            </a:srgbClr>
+          </a:solidFill>
+          <a:ln>
+            <a:noFill/>
+          </a:ln>
+        </p:spPr>
+        <p:style>
+          <a:lnRef idx="2">
+            <a:schemeClr val="accent1">
+              <a:shade val="50000"/>
+            </a:schemeClr>
+          </a:lnRef>
+          <a:fillRef idx="1">
+            <a:schemeClr val="accent1"/>
+          </a:fillRef>
+          <a:effectRef idx="0">
+            <a:schemeClr val="accent1"/>
+          </a:effectRef>
+          <a:fontRef idx="minor">
+            <a:schemeClr val="lt1"/>
+          </a:fontRef>
+        </p:style>
+        <p:txBody>
+          <a:bodyPr rtlCol="0" anchor="ctr"/>
+          <a:lstStyle/>
+          <a:p>
+            <a:pPr algn="ctr"/>
+            <a:endParaRPr lang="fr-FR">
+              <a:solidFill>
+                <a:schemeClr val="accent4"/>
+              </a:solidFill>
+            </a:endParaRPr>
+          </a:p>
+        </p:txBody>
+      </p:sp>
+      <p:pic>
+        <p:nvPicPr>
+          <p:cNvPr id="43" name="Image 42">
+            <a:extLst>
+              <a:ext uri="{FF2B5EF4-FFF2-40B4-BE49-F238E27FC236}">
+                <a16:creationId xmlns:a16="http://schemas.microsoft.com/office/drawing/2014/main" id="{8D38782E-5B33-4D44-92AE-2BC5A657697D}"/>
+              </a:ext>
+            </a:extLst>
+          </p:cNvPr>
+          <p:cNvPicPr>
+            <a:picLocks noChangeAspect="1"/>
+          </p:cNvPicPr>
+          <p:nvPr/>
+        </p:nvPicPr>
+        <p:blipFill rotWithShape="1">
+          <a:blip r:embed="rId10"/>
+          <a:srcRect b="44865"/>
+          <a:stretch/>
+        </p:blipFill>
+        <p:spPr>
+          <a:xfrm>
+            <a:off x="7686707" y="4047415"/>
+            <a:ext cx="1524785" cy="836675"/>
+          </a:xfrm>
+          <a:prstGeom prst="rect">
+            <a:avLst/>
+          </a:prstGeom>
+        </p:spPr>
+      </p:pic>
+      <p:pic>
+        <p:nvPicPr>
+          <p:cNvPr id="44" name="Image 43">
+            <a:extLst>
+              <a:ext uri="{FF2B5EF4-FFF2-40B4-BE49-F238E27FC236}">
+                <a16:creationId xmlns:a16="http://schemas.microsoft.com/office/drawing/2014/main" id="{AFA276C9-F2B9-4C2B-8DF0-556EC542B12D}"/>
+              </a:ext>
+            </a:extLst>
+          </p:cNvPr>
+          <p:cNvPicPr>
+            <a:picLocks noChangeAspect="1"/>
+          </p:cNvPicPr>
+          <p:nvPr/>
+        </p:nvPicPr>
+        <p:blipFill rotWithShape="1">
+          <a:blip r:embed="rId10"/>
+          <a:srcRect t="59941"/>
+          <a:stretch/>
+        </p:blipFill>
+        <p:spPr>
+          <a:xfrm>
+            <a:off x="9536864" y="4058707"/>
+            <a:ext cx="1830925" cy="729942"/>
+          </a:xfrm>
+          <a:prstGeom prst="rect">
+            <a:avLst/>
+          </a:prstGeom>
+        </p:spPr>
+      </p:pic>
+      <p:sp>
+        <p:nvSpPr>
+          <p:cNvPr id="46" name="Rectangle 45">
+            <a:extLst>
+              <a:ext uri="{FF2B5EF4-FFF2-40B4-BE49-F238E27FC236}">
+                <a16:creationId xmlns:a16="http://schemas.microsoft.com/office/drawing/2014/main" id="{7072958E-C5DE-4F39-928F-6DCC611CE47C}"/>
+              </a:ext>
+            </a:extLst>
+          </p:cNvPr>
+          <p:cNvSpPr/>
+          <p:nvPr/>
+        </p:nvSpPr>
+        <p:spPr>
+          <a:xfrm>
+            <a:off x="7863673" y="4474848"/>
+            <a:ext cx="1285090" cy="158750"/>
+          </a:xfrm>
+          <a:prstGeom prst="rect">
+            <a:avLst/>
+          </a:prstGeom>
+          <a:solidFill>
+            <a:srgbClr val="000066">
+              <a:alpha val="40000"/>
+            </a:srgbClr>
+          </a:solidFill>
+          <a:ln>
+            <a:noFill/>
+          </a:ln>
+        </p:spPr>
+        <p:style>
+          <a:lnRef idx="2">
+            <a:schemeClr val="accent1">
+              <a:shade val="50000"/>
+            </a:schemeClr>
+          </a:lnRef>
+          <a:fillRef idx="1">
+            <a:schemeClr val="accent1"/>
+          </a:fillRef>
+          <a:effectRef idx="0">
+            <a:schemeClr val="accent1"/>
+          </a:effectRef>
+          <a:fontRef idx="minor">
+            <a:schemeClr val="lt1"/>
+          </a:fontRef>
+        </p:style>
+        <p:txBody>
+          <a:bodyPr rtlCol="0" anchor="ctr"/>
+          <a:lstStyle/>
+          <a:p>
+            <a:pPr algn="ctr"/>
+            <a:endParaRPr lang="fr-FR"/>
+          </a:p>
+        </p:txBody>
+      </p:sp>
+      <p:sp>
+        <p:nvSpPr>
+          <p:cNvPr id="47" name="Rectangle 46">
+            <a:extLst>
+              <a:ext uri="{FF2B5EF4-FFF2-40B4-BE49-F238E27FC236}">
+                <a16:creationId xmlns:a16="http://schemas.microsoft.com/office/drawing/2014/main" id="{A1BC6410-7261-4F04-92D0-F4A189F59A4A}"/>
+              </a:ext>
+            </a:extLst>
+          </p:cNvPr>
+          <p:cNvSpPr/>
+          <p:nvPr/>
+        </p:nvSpPr>
+        <p:spPr>
+          <a:xfrm>
+            <a:off x="1663698" y="2111426"/>
+            <a:ext cx="5367507" cy="174573"/>
+          </a:xfrm>
+          <a:prstGeom prst="rect">
+            <a:avLst/>
+          </a:prstGeom>
+          <a:solidFill>
+            <a:srgbClr val="000066">
+              <a:alpha val="40000"/>
+            </a:srgbClr>
+          </a:solidFill>
+          <a:ln>
+            <a:noFill/>
+          </a:ln>
+        </p:spPr>
+        <p:style>
+          <a:lnRef idx="2">
+            <a:schemeClr val="accent1">
+              <a:shade val="50000"/>
+            </a:schemeClr>
+          </a:lnRef>
+          <a:fillRef idx="1">
+            <a:schemeClr val="accent1"/>
+          </a:fillRef>
+          <a:effectRef idx="0">
+            <a:schemeClr val="accent1"/>
+          </a:effectRef>
+          <a:fontRef idx="minor">
+            <a:schemeClr val="lt1"/>
+          </a:fontRef>
+        </p:style>
+        <p:txBody>
+          <a:bodyPr rtlCol="0" anchor="ctr"/>
+          <a:lstStyle/>
+          <a:p>
+            <a:pPr algn="ctr"/>
+            <a:endParaRPr lang="fr-FR"/>
+          </a:p>
+        </p:txBody>
+      </p:sp>
+      <p:sp>
+        <p:nvSpPr>
+          <p:cNvPr id="48" name="Rectangle 47">
+            <a:extLst>
+              <a:ext uri="{FF2B5EF4-FFF2-40B4-BE49-F238E27FC236}">
+                <a16:creationId xmlns:a16="http://schemas.microsoft.com/office/drawing/2014/main" id="{59272DDA-2BAA-413B-8057-E5A4A971309B}"/>
+              </a:ext>
+            </a:extLst>
+          </p:cNvPr>
+          <p:cNvSpPr/>
+          <p:nvPr/>
+        </p:nvSpPr>
+        <p:spPr>
+          <a:xfrm>
+            <a:off x="1663697" y="2361354"/>
+            <a:ext cx="5367507" cy="174573"/>
+          </a:xfrm>
+          <a:prstGeom prst="rect">
+            <a:avLst/>
+          </a:prstGeom>
+          <a:solidFill>
+            <a:srgbClr val="000066">
+              <a:alpha val="40000"/>
+            </a:srgbClr>
+          </a:solidFill>
+          <a:ln>
+            <a:noFill/>
+          </a:ln>
+        </p:spPr>
+        <p:style>
+          <a:lnRef idx="2">
+            <a:schemeClr val="accent1">
+              <a:shade val="50000"/>
+            </a:schemeClr>
+          </a:lnRef>
+          <a:fillRef idx="1">
+            <a:schemeClr val="accent1"/>
+          </a:fillRef>
+          <a:effectRef idx="0">
+            <a:schemeClr val="accent1"/>
+          </a:effectRef>
+          <a:fontRef idx="minor">
+            <a:schemeClr val="lt1"/>
+          </a:fontRef>
+        </p:style>
+        <p:txBody>
+          <a:bodyPr rtlCol="0" anchor="ctr"/>
+          <a:lstStyle/>
+          <a:p>
+            <a:pPr algn="ctr"/>
+            <a:endParaRPr lang="fr-FR"/>
+          </a:p>
+        </p:txBody>
+      </p:sp>
+      <p:sp>
+        <p:nvSpPr>
+          <p:cNvPr id="49" name="Rectangle 48">
+            <a:extLst>
+              <a:ext uri="{FF2B5EF4-FFF2-40B4-BE49-F238E27FC236}">
+                <a16:creationId xmlns:a16="http://schemas.microsoft.com/office/drawing/2014/main" id="{A8FD69FF-E1AF-440E-9F87-3B295784D792}"/>
+              </a:ext>
+            </a:extLst>
+          </p:cNvPr>
+          <p:cNvSpPr/>
+          <p:nvPr/>
+        </p:nvSpPr>
+        <p:spPr>
+          <a:xfrm>
+            <a:off x="1665619" y="2616353"/>
+            <a:ext cx="5365586" cy="174573"/>
+          </a:xfrm>
+          <a:prstGeom prst="rect">
+            <a:avLst/>
+          </a:prstGeom>
+          <a:solidFill>
+            <a:srgbClr val="000066">
+              <a:alpha val="40000"/>
+            </a:srgbClr>
+          </a:solidFill>
+          <a:ln>
+            <a:noFill/>
+          </a:ln>
+        </p:spPr>
+        <p:style>
+          <a:lnRef idx="2">
+            <a:schemeClr val="accent1">
+              <a:shade val="50000"/>
+            </a:schemeClr>
+          </a:lnRef>
+          <a:fillRef idx="1">
+            <a:schemeClr val="accent1"/>
+          </a:fillRef>
+          <a:effectRef idx="0">
+            <a:schemeClr val="accent1"/>
+          </a:effectRef>
+          <a:fontRef idx="minor">
+            <a:schemeClr val="lt1"/>
+          </a:fontRef>
+        </p:style>
+        <p:txBody>
+          <a:bodyPr rtlCol="0" anchor="ctr"/>
+          <a:lstStyle/>
+          <a:p>
+            <a:pPr algn="ctr"/>
+            <a:endParaRPr lang="fr-FR"/>
+          </a:p>
+        </p:txBody>
+      </p:sp>
+      <p:sp>
+        <p:nvSpPr>
+          <p:cNvPr id="50" name="Rectangle 49">
+            <a:extLst>
+              <a:ext uri="{FF2B5EF4-FFF2-40B4-BE49-F238E27FC236}">
+                <a16:creationId xmlns:a16="http://schemas.microsoft.com/office/drawing/2014/main" id="{9A3F502B-3FD9-4508-8AD9-7A8F00BDDC63}"/>
+              </a:ext>
+            </a:extLst>
+          </p:cNvPr>
+          <p:cNvSpPr/>
+          <p:nvPr/>
+        </p:nvSpPr>
+        <p:spPr>
+          <a:xfrm>
+            <a:off x="1665618" y="2866281"/>
+            <a:ext cx="5365586" cy="174573"/>
+          </a:xfrm>
+          <a:prstGeom prst="rect">
+            <a:avLst/>
+          </a:prstGeom>
+          <a:solidFill>
+            <a:srgbClr val="000066">
+              <a:alpha val="40000"/>
+            </a:srgbClr>
+          </a:solidFill>
+          <a:ln>
+            <a:noFill/>
+          </a:ln>
+        </p:spPr>
+        <p:style>
+          <a:lnRef idx="2">
+            <a:schemeClr val="accent1">
+              <a:shade val="50000"/>
+            </a:schemeClr>
+          </a:lnRef>
+          <a:fillRef idx="1">
+            <a:schemeClr val="accent1"/>
+          </a:fillRef>
+          <a:effectRef idx="0">
+            <a:schemeClr val="accent1"/>
+          </a:effectRef>
+          <a:fontRef idx="minor">
+            <a:schemeClr val="lt1"/>
+          </a:fontRef>
+        </p:style>
+        <p:txBody>
+          <a:bodyPr rtlCol="0" anchor="ctr"/>
+          <a:lstStyle/>
+          <a:p>
+            <a:pPr algn="ctr"/>
+            <a:endParaRPr lang="fr-FR"/>
+          </a:p>
+        </p:txBody>
+      </p:sp>
+      <p:sp>
+        <p:nvSpPr>
+          <p:cNvPr id="51" name="Rectangle 50">
+            <a:extLst>
+              <a:ext uri="{FF2B5EF4-FFF2-40B4-BE49-F238E27FC236}">
+                <a16:creationId xmlns:a16="http://schemas.microsoft.com/office/drawing/2014/main" id="{985202C9-3336-4AFA-98C8-08D05B130E4B}"/>
+              </a:ext>
+            </a:extLst>
+          </p:cNvPr>
+          <p:cNvSpPr/>
+          <p:nvPr/>
+        </p:nvSpPr>
+        <p:spPr>
+          <a:xfrm>
+            <a:off x="86859" y="3103185"/>
+            <a:ext cx="6944346" cy="174573"/>
+          </a:xfrm>
+          <a:prstGeom prst="rect">
+            <a:avLst/>
+          </a:prstGeom>
+          <a:solidFill>
+            <a:srgbClr val="000066">
+              <a:alpha val="40000"/>
+            </a:srgbClr>
+          </a:solidFill>
+          <a:ln>
+            <a:noFill/>
+          </a:ln>
+        </p:spPr>
+        <p:style>
+          <a:lnRef idx="2">
+            <a:schemeClr val="accent1">
+              <a:shade val="50000"/>
+            </a:schemeClr>
+          </a:lnRef>
+          <a:fillRef idx="1">
+            <a:schemeClr val="accent1"/>
+          </a:fillRef>
+          <a:effectRef idx="0">
+            <a:schemeClr val="accent1"/>
+          </a:effectRef>
+          <a:fontRef idx="minor">
+            <a:schemeClr val="lt1"/>
+          </a:fontRef>
+        </p:style>
+        <p:txBody>
+          <a:bodyPr rtlCol="0" anchor="ctr"/>
+          <a:lstStyle/>
+          <a:p>
+            <a:pPr algn="ctr"/>
+            <a:endParaRPr lang="fr-FR"/>
+          </a:p>
+        </p:txBody>
+      </p:sp>
+      <p:sp>
+        <p:nvSpPr>
+          <p:cNvPr id="52" name="Rectangle 51">
+            <a:extLst>
+              <a:ext uri="{FF2B5EF4-FFF2-40B4-BE49-F238E27FC236}">
+                <a16:creationId xmlns:a16="http://schemas.microsoft.com/office/drawing/2014/main" id="{C1B07A9B-9AC0-47B0-B6EF-E0487586EBAB}"/>
+              </a:ext>
+            </a:extLst>
+          </p:cNvPr>
+          <p:cNvSpPr/>
+          <p:nvPr/>
+        </p:nvSpPr>
+        <p:spPr>
+          <a:xfrm>
+            <a:off x="9712208" y="4306674"/>
+            <a:ext cx="1365368" cy="168174"/>
+          </a:xfrm>
+          <a:prstGeom prst="rect">
+            <a:avLst/>
+          </a:prstGeom>
+          <a:solidFill>
+            <a:srgbClr val="FF6600">
+              <a:alpha val="40000"/>
+            </a:srgbClr>
+          </a:solidFill>
+          <a:ln>
+            <a:noFill/>
+          </a:ln>
+        </p:spPr>
+        <p:style>
+          <a:lnRef idx="2">
+            <a:schemeClr val="accent1">
+              <a:shade val="50000"/>
+            </a:schemeClr>
+          </a:lnRef>
+          <a:fillRef idx="1">
+            <a:schemeClr val="accent1"/>
+          </a:fillRef>
+          <a:effectRef idx="0">
+            <a:schemeClr val="accent1"/>
+          </a:effectRef>
+          <a:fontRef idx="minor">
+            <a:schemeClr val="lt1"/>
+          </a:fontRef>
+        </p:style>
+        <p:txBody>
+          <a:bodyPr rtlCol="0" anchor="ctr"/>
+          <a:lstStyle/>
+          <a:p>
+            <a:pPr algn="ctr"/>
+            <a:endParaRPr lang="fr-FR"/>
+          </a:p>
+        </p:txBody>
+      </p:sp>
+      <p:sp>
+        <p:nvSpPr>
+          <p:cNvPr id="54" name="Rectangle 53">
+            <a:extLst>
+              <a:ext uri="{FF2B5EF4-FFF2-40B4-BE49-F238E27FC236}">
+                <a16:creationId xmlns:a16="http://schemas.microsoft.com/office/drawing/2014/main" id="{E5823922-2071-4890-87EC-6F2316E1839D}"/>
+              </a:ext>
+            </a:extLst>
+          </p:cNvPr>
+          <p:cNvSpPr/>
+          <p:nvPr/>
+        </p:nvSpPr>
+        <p:spPr>
+          <a:xfrm>
+            <a:off x="1783556" y="1953105"/>
+            <a:ext cx="78582" cy="155988"/>
+          </a:xfrm>
+          <a:prstGeom prst="rect">
+            <a:avLst/>
+          </a:prstGeom>
+          <a:solidFill>
+            <a:srgbClr val="FF6600">
+              <a:alpha val="40000"/>
+            </a:srgbClr>
+          </a:solidFill>
+          <a:ln>
+            <a:noFill/>
+          </a:ln>
+        </p:spPr>
+        <p:style>
+          <a:lnRef idx="2">
+            <a:schemeClr val="accent1">
+              <a:shade val="50000"/>
+            </a:schemeClr>
+          </a:lnRef>
+          <a:fillRef idx="1">
+            <a:schemeClr val="accent1"/>
+          </a:fillRef>
+          <a:effectRef idx="0">
+            <a:schemeClr val="accent1"/>
+          </a:effectRef>
+          <a:fontRef idx="minor">
+            <a:schemeClr val="lt1"/>
+          </a:fontRef>
+        </p:style>
+        <p:txBody>
+          <a:bodyPr rtlCol="0" anchor="ctr"/>
+          <a:lstStyle/>
+          <a:p>
+            <a:pPr algn="ctr"/>
+            <a:endParaRPr lang="fr-FR"/>
+          </a:p>
+        </p:txBody>
+      </p:sp>
+      <p:pic>
+        <p:nvPicPr>
+          <p:cNvPr id="56" name="Image 55">
+            <a:extLst>
+              <a:ext uri="{FF2B5EF4-FFF2-40B4-BE49-F238E27FC236}">
+                <a16:creationId xmlns:a16="http://schemas.microsoft.com/office/drawing/2014/main" id="{D4523FF1-B619-41A6-B86A-1D484C708F69}"/>
+              </a:ext>
+            </a:extLst>
+          </p:cNvPr>
+          <p:cNvPicPr>
+            <a:picLocks noChangeAspect="1"/>
+          </p:cNvPicPr>
+          <p:nvPr/>
+        </p:nvPicPr>
+        <p:blipFill>
+          <a:blip r:embed="rId11"/>
+          <a:stretch>
+            <a:fillRect/>
+          </a:stretch>
+        </p:blipFill>
+        <p:spPr>
+          <a:xfrm>
+            <a:off x="7686706" y="5003839"/>
+            <a:ext cx="2133929" cy="1196935"/>
+          </a:xfrm>
+          <a:prstGeom prst="rect">
+            <a:avLst/>
+          </a:prstGeom>
+        </p:spPr>
+      </p:pic>
+      <p:pic>
+        <p:nvPicPr>
+          <p:cNvPr id="58" name="Image 57">
+            <a:extLst>
+              <a:ext uri="{FF2B5EF4-FFF2-40B4-BE49-F238E27FC236}">
+                <a16:creationId xmlns:a16="http://schemas.microsoft.com/office/drawing/2014/main" id="{19AA644F-F2AF-4F7E-A723-49F1ECA196EE}"/>
+              </a:ext>
+            </a:extLst>
+          </p:cNvPr>
+          <p:cNvPicPr>
+            <a:picLocks noChangeAspect="1"/>
+          </p:cNvPicPr>
+          <p:nvPr/>
+        </p:nvPicPr>
+        <p:blipFill>
+          <a:blip r:embed="rId12"/>
+          <a:stretch>
+            <a:fillRect/>
+          </a:stretch>
+        </p:blipFill>
+        <p:spPr>
+          <a:xfrm>
+            <a:off x="9793283" y="5035357"/>
+            <a:ext cx="1574506" cy="995452"/>
+          </a:xfrm>
+          <a:prstGeom prst="rect">
+            <a:avLst/>
+          </a:prstGeom>
+        </p:spPr>
+      </p:pic>
+      <p:pic>
+        <p:nvPicPr>
+          <p:cNvPr id="60" name="Image 59">
+            <a:extLst>
+              <a:ext uri="{FF2B5EF4-FFF2-40B4-BE49-F238E27FC236}">
+                <a16:creationId xmlns:a16="http://schemas.microsoft.com/office/drawing/2014/main" id="{156BEF09-D752-4FEC-97E9-D546527F7F75}"/>
+              </a:ext>
+            </a:extLst>
+          </p:cNvPr>
+          <p:cNvPicPr>
+            <a:picLocks noChangeAspect="1"/>
+          </p:cNvPicPr>
+          <p:nvPr/>
+        </p:nvPicPr>
+        <p:blipFill>
+          <a:blip r:embed="rId13"/>
+          <a:stretch>
+            <a:fillRect/>
+          </a:stretch>
+        </p:blipFill>
+        <p:spPr>
+          <a:xfrm>
+            <a:off x="7686706" y="6274530"/>
+            <a:ext cx="2014981" cy="503745"/>
           </a:xfrm>
           <a:prstGeom prst="rect">
             <a:avLst/>
@@ -12643,7 +14535,7 @@
     </p:spTree>
     <p:extLst>
       <p:ext uri="{BB962C8B-B14F-4D97-AF65-F5344CB8AC3E}">
-        <p14:creationId xmlns:p14="http://schemas.microsoft.com/office/powerpoint/2010/main" val="1992008865"/>
+        <p14:creationId xmlns:p14="http://schemas.microsoft.com/office/powerpoint/2010/main" val="2660044851"/>
       </p:ext>
     </p:extLst>
   </p:cSld>
